--- a/pres-source/07-NoSQL-databases.pptx
+++ b/pres-source/07-NoSQL-databases.pptx
@@ -5,14 +5,42 @@
     <p:sldMasterId id="2147483648" r:id="rId1"/>
   </p:sldMasterIdLst>
   <p:notesMasterIdLst>
-    <p:notesMasterId r:id="rId7"/>
+    <p:notesMasterId r:id="rId35"/>
   </p:notesMasterIdLst>
   <p:sldIdLst>
     <p:sldId id="256" r:id="rId2"/>
     <p:sldId id="261" r:id="rId3"/>
     <p:sldId id="260" r:id="rId4"/>
-    <p:sldId id="259" r:id="rId5"/>
-    <p:sldId id="258" r:id="rId6"/>
+    <p:sldId id="262" r:id="rId5"/>
+    <p:sldId id="264" r:id="rId6"/>
+    <p:sldId id="269" r:id="rId7"/>
+    <p:sldId id="268" r:id="rId8"/>
+    <p:sldId id="266" r:id="rId9"/>
+    <p:sldId id="267" r:id="rId10"/>
+    <p:sldId id="270" r:id="rId11"/>
+    <p:sldId id="259" r:id="rId12"/>
+    <p:sldId id="258" r:id="rId13"/>
+    <p:sldId id="271" r:id="rId14"/>
+    <p:sldId id="275" r:id="rId15"/>
+    <p:sldId id="277" r:id="rId16"/>
+    <p:sldId id="278" r:id="rId17"/>
+    <p:sldId id="272" r:id="rId18"/>
+    <p:sldId id="274" r:id="rId19"/>
+    <p:sldId id="273" r:id="rId20"/>
+    <p:sldId id="276" r:id="rId21"/>
+    <p:sldId id="279" r:id="rId22"/>
+    <p:sldId id="280" r:id="rId23"/>
+    <p:sldId id="281" r:id="rId24"/>
+    <p:sldId id="292" r:id="rId25"/>
+    <p:sldId id="291" r:id="rId26"/>
+    <p:sldId id="282" r:id="rId27"/>
+    <p:sldId id="284" r:id="rId28"/>
+    <p:sldId id="283" r:id="rId29"/>
+    <p:sldId id="285" r:id="rId30"/>
+    <p:sldId id="286" r:id="rId31"/>
+    <p:sldId id="287" r:id="rId32"/>
+    <p:sldId id="289" r:id="rId33"/>
+    <p:sldId id="288" r:id="rId34"/>
   </p:sldIdLst>
   <p:sldSz cx="9144000" cy="6858000" type="screen4x3"/>
   <p:notesSz cx="6858000" cy="9144000"/>
@@ -201,7 +229,7 @@
             <a:fld id="{7307762F-A706-E543-A832-3C298AA3103F}" type="datetimeFigureOut">
               <a:rPr lang="en-US" smtClean="0"/>
               <a:pPr/>
-              <a:t>03/09/15</a:t>
+              <a:t>12/11/15</a:t>
             </a:fld>
             <a:endParaRPr lang="en-US" dirty="0"/>
           </a:p>
@@ -768,7 +796,7 @@
           <a:p>
             <a:fld id="{875CF0EB-321F-0749-B37A-89BBA859503C}" type="datetimeFigureOut">
               <a:rPr lang="en-US" smtClean="0"/>
-              <a:t>03/09/15</a:t>
+              <a:t>12/11/15</a:t>
             </a:fld>
             <a:endParaRPr lang="en-US"/>
           </a:p>
@@ -972,7 +1000,7 @@
           <a:p>
             <a:fld id="{875CF0EB-321F-0749-B37A-89BBA859503C}" type="datetimeFigureOut">
               <a:rPr lang="en-US" smtClean="0"/>
-              <a:t>03/09/15</a:t>
+              <a:t>12/11/15</a:t>
             </a:fld>
             <a:endParaRPr lang="en-US"/>
           </a:p>
@@ -1166,7 +1194,7 @@
           <a:p>
             <a:fld id="{875CF0EB-321F-0749-B37A-89BBA859503C}" type="datetimeFigureOut">
               <a:rPr lang="en-US" smtClean="0"/>
-              <a:t>03/09/15</a:t>
+              <a:t>12/11/15</a:t>
             </a:fld>
             <a:endParaRPr lang="en-US"/>
           </a:p>
@@ -1436,7 +1464,7 @@
           <a:p>
             <a:fld id="{875CF0EB-321F-0749-B37A-89BBA859503C}" type="datetimeFigureOut">
               <a:rPr lang="en-US" smtClean="0"/>
-              <a:t>03/09/15</a:t>
+              <a:t>12/11/15</a:t>
             </a:fld>
             <a:endParaRPr lang="en-US"/>
           </a:p>
@@ -1748,7 +1776,7 @@
           <a:p>
             <a:fld id="{875CF0EB-321F-0749-B37A-89BBA859503C}" type="datetimeFigureOut">
               <a:rPr lang="en-US" smtClean="0"/>
-              <a:t>03/09/15</a:t>
+              <a:t>12/11/15</a:t>
             </a:fld>
             <a:endParaRPr lang="en-US"/>
           </a:p>
@@ -2194,7 +2222,7 @@
           <a:p>
             <a:fld id="{875CF0EB-321F-0749-B37A-89BBA859503C}" type="datetimeFigureOut">
               <a:rPr lang="en-US" smtClean="0"/>
-              <a:t>03/09/15</a:t>
+              <a:t>12/11/15</a:t>
             </a:fld>
             <a:endParaRPr lang="en-US"/>
           </a:p>
@@ -2336,7 +2364,7 @@
           <a:p>
             <a:fld id="{875CF0EB-321F-0749-B37A-89BBA859503C}" type="datetimeFigureOut">
               <a:rPr lang="en-US" smtClean="0"/>
-              <a:t>03/09/15</a:t>
+              <a:t>12/11/15</a:t>
             </a:fld>
             <a:endParaRPr lang="en-US"/>
           </a:p>
@@ -2455,7 +2483,7 @@
           <a:p>
             <a:fld id="{875CF0EB-321F-0749-B37A-89BBA859503C}" type="datetimeFigureOut">
               <a:rPr lang="en-US" smtClean="0"/>
-              <a:t>03/09/15</a:t>
+              <a:t>12/11/15</a:t>
             </a:fld>
             <a:endParaRPr lang="en-US"/>
           </a:p>
@@ -2756,7 +2784,7 @@
           <a:p>
             <a:fld id="{875CF0EB-321F-0749-B37A-89BBA859503C}" type="datetimeFigureOut">
               <a:rPr lang="en-US" smtClean="0"/>
-              <a:t>03/09/15</a:t>
+              <a:t>12/11/15</a:t>
             </a:fld>
             <a:endParaRPr lang="en-US"/>
           </a:p>
@@ -3033,7 +3061,7 @@
           <a:p>
             <a:fld id="{875CF0EB-321F-0749-B37A-89BBA859503C}" type="datetimeFigureOut">
               <a:rPr lang="en-US" smtClean="0"/>
-              <a:t>03/09/15</a:t>
+              <a:t>12/11/15</a:t>
             </a:fld>
             <a:endParaRPr lang="en-US"/>
           </a:p>
@@ -4012,6 +4040,1352 @@
 </p:sld>
 </file>
 
+<file path=ppt/slides/slide10.xml><?xml version="1.0" encoding="utf-8"?>
+<p:sld xmlns:a="http://schemas.openxmlformats.org/drawingml/2006/main" xmlns:r="http://schemas.openxmlformats.org/officeDocument/2006/relationships" xmlns:p="http://schemas.openxmlformats.org/presentationml/2006/main">
+  <p:cSld>
+    <p:spTree>
+      <p:nvGrpSpPr>
+        <p:cNvPr id="1" name=""/>
+        <p:cNvGrpSpPr/>
+        <p:nvPr/>
+      </p:nvGrpSpPr>
+      <p:grpSpPr>
+        <a:xfrm>
+          <a:off x="0" y="0"/>
+          <a:ext cx="0" cy="0"/>
+          <a:chOff x="0" y="0"/>
+          <a:chExt cx="0" cy="0"/>
+        </a:xfrm>
+      </p:grpSpPr>
+      <p:sp>
+        <p:nvSpPr>
+          <p:cNvPr id="2" name="Title 1"/>
+          <p:cNvSpPr>
+            <a:spLocks noGrp="1"/>
+          </p:cNvSpPr>
+          <p:nvPr>
+            <p:ph type="title"/>
+          </p:nvPr>
+        </p:nvSpPr>
+        <p:spPr/>
+        <p:txBody>
+          <a:bodyPr/>
+          <a:lstStyle/>
+          <a:p>
+            <a:r>
+              <a:rPr lang="en-US" dirty="0" smtClean="0"/>
+              <a:t>Dynamo Techniques</a:t>
+            </a:r>
+            <a:endParaRPr lang="en-US" dirty="0"/>
+          </a:p>
+        </p:txBody>
+      </p:sp>
+      <p:pic>
+        <p:nvPicPr>
+          <p:cNvPr id="4" name="Content Placeholder 3"/>
+          <p:cNvPicPr>
+            <a:picLocks noGrp="1" noChangeAspect="1"/>
+          </p:cNvPicPr>
+          <p:nvPr>
+            <p:ph idx="1"/>
+          </p:nvPr>
+        </p:nvPicPr>
+        <p:blipFill>
+          <a:blip r:embed="rId2"/>
+          <a:srcRect t="896" b="896"/>
+          <a:stretch>
+            <a:fillRect/>
+          </a:stretch>
+        </p:blipFill>
+        <p:spPr/>
+      </p:pic>
+    </p:spTree>
+    <p:extLst>
+      <p:ext uri="{BB962C8B-B14F-4D97-AF65-F5344CB8AC3E}">
+        <p14:creationId xmlns:p14="http://schemas.microsoft.com/office/powerpoint/2010/main" val="3070882028"/>
+      </p:ext>
+    </p:extLst>
+  </p:cSld>
+  <p:clrMapOvr>
+    <a:masterClrMapping/>
+  </p:clrMapOvr>
+</p:sld>
+</file>
+
+<file path=ppt/slides/slide11.xml><?xml version="1.0" encoding="utf-8"?>
+<p:sld xmlns:a="http://schemas.openxmlformats.org/drawingml/2006/main" xmlns:r="http://schemas.openxmlformats.org/officeDocument/2006/relationships" xmlns:p="http://schemas.openxmlformats.org/presentationml/2006/main">
+  <p:cSld>
+    <p:spTree>
+      <p:nvGrpSpPr>
+        <p:cNvPr id="1" name=""/>
+        <p:cNvGrpSpPr/>
+        <p:nvPr/>
+      </p:nvGrpSpPr>
+      <p:grpSpPr>
+        <a:xfrm>
+          <a:off x="0" y="0"/>
+          <a:ext cx="0" cy="0"/>
+          <a:chOff x="0" y="0"/>
+          <a:chExt cx="0" cy="0"/>
+        </a:xfrm>
+      </p:grpSpPr>
+      <p:sp>
+        <p:nvSpPr>
+          <p:cNvPr id="2" name="Title 1"/>
+          <p:cNvSpPr>
+            <a:spLocks noGrp="1"/>
+          </p:cNvSpPr>
+          <p:nvPr>
+            <p:ph type="title"/>
+          </p:nvPr>
+        </p:nvSpPr>
+        <p:spPr/>
+        <p:txBody>
+          <a:bodyPr/>
+          <a:lstStyle/>
+          <a:p>
+            <a:r>
+              <a:rPr lang="en-US" dirty="0" smtClean="0"/>
+              <a:t>Google </a:t>
+            </a:r>
+            <a:r>
+              <a:rPr lang="en-US" dirty="0" err="1" smtClean="0"/>
+              <a:t>BigTable</a:t>
+            </a:r>
+            <a:endParaRPr lang="en-US" dirty="0"/>
+          </a:p>
+        </p:txBody>
+      </p:sp>
+      <p:sp>
+        <p:nvSpPr>
+          <p:cNvPr id="6" name="Content Placeholder 5"/>
+          <p:cNvSpPr>
+            <a:spLocks noGrp="1"/>
+          </p:cNvSpPr>
+          <p:nvPr>
+            <p:ph idx="1"/>
+          </p:nvPr>
+        </p:nvSpPr>
+        <p:spPr/>
+        <p:txBody>
+          <a:bodyPr>
+            <a:normAutofit/>
+          </a:bodyPr>
+          <a:lstStyle/>
+          <a:p>
+            <a:r>
+              <a:rPr lang="en-US" sz="2400" dirty="0" smtClean="0"/>
+              <a:t>Optimized to support very large data</a:t>
+            </a:r>
+          </a:p>
+          <a:p>
+            <a:pPr lvl="1"/>
+            <a:r>
+              <a:rPr lang="en-US" sz="2000" dirty="0" smtClean="0"/>
+              <a:t>Not just many rows, but rows that cannot fit into the memory of a single server</a:t>
+            </a:r>
+          </a:p>
+          <a:p>
+            <a:pPr lvl="1"/>
+            <a:r>
+              <a:rPr lang="en-US" sz="2000" dirty="0" smtClean="0"/>
+              <a:t>Column Families allow each row to live across servers</a:t>
+            </a:r>
+          </a:p>
+          <a:p>
+            <a:r>
+              <a:rPr lang="en-US" sz="2000" dirty="0" smtClean="0"/>
+              <a:t>This table dates back to 2005</a:t>
+            </a:r>
+            <a:endParaRPr lang="en-US" sz="2000" dirty="0"/>
+          </a:p>
+        </p:txBody>
+      </p:sp>
+      <p:pic>
+        <p:nvPicPr>
+          <p:cNvPr id="5" name="Picture 4"/>
+          <p:cNvPicPr>
+            <a:picLocks noChangeAspect="1"/>
+          </p:cNvPicPr>
+          <p:nvPr/>
+        </p:nvPicPr>
+        <p:blipFill>
+          <a:blip r:embed="rId2"/>
+          <a:stretch>
+            <a:fillRect/>
+          </a:stretch>
+        </p:blipFill>
+        <p:spPr>
+          <a:xfrm>
+            <a:off x="0" y="3555085"/>
+            <a:ext cx="8899878" cy="2907881"/>
+          </a:xfrm>
+          <a:prstGeom prst="rect">
+            <a:avLst/>
+          </a:prstGeom>
+        </p:spPr>
+      </p:pic>
+    </p:spTree>
+    <p:extLst>
+      <p:ext uri="{BB962C8B-B14F-4D97-AF65-F5344CB8AC3E}">
+        <p14:creationId xmlns:p14="http://schemas.microsoft.com/office/powerpoint/2010/main" val="2116658494"/>
+      </p:ext>
+    </p:extLst>
+  </p:cSld>
+  <p:clrMapOvr>
+    <a:masterClrMapping/>
+  </p:clrMapOvr>
+</p:sld>
+</file>
+
+<file path=ppt/slides/slide12.xml><?xml version="1.0" encoding="utf-8"?>
+<p:sld xmlns:a="http://schemas.openxmlformats.org/drawingml/2006/main" xmlns:r="http://schemas.openxmlformats.org/officeDocument/2006/relationships" xmlns:p="http://schemas.openxmlformats.org/presentationml/2006/main">
+  <p:cSld>
+    <p:spTree>
+      <p:nvGrpSpPr>
+        <p:cNvPr id="1" name=""/>
+        <p:cNvGrpSpPr/>
+        <p:nvPr/>
+      </p:nvGrpSpPr>
+      <p:grpSpPr>
+        <a:xfrm>
+          <a:off x="0" y="0"/>
+          <a:ext cx="0" cy="0"/>
+          <a:chOff x="0" y="0"/>
+          <a:chExt cx="0" cy="0"/>
+        </a:xfrm>
+      </p:grpSpPr>
+      <p:sp>
+        <p:nvSpPr>
+          <p:cNvPr id="2" name="Title 1"/>
+          <p:cNvSpPr>
+            <a:spLocks noGrp="1"/>
+          </p:cNvSpPr>
+          <p:nvPr>
+            <p:ph type="title"/>
+          </p:nvPr>
+        </p:nvSpPr>
+        <p:spPr/>
+        <p:txBody>
+          <a:bodyPr/>
+          <a:lstStyle/>
+          <a:p>
+            <a:r>
+              <a:rPr lang="en-US" dirty="0" smtClean="0"/>
+              <a:t>Current </a:t>
+            </a:r>
+            <a:r>
+              <a:rPr lang="en-US" dirty="0" err="1" smtClean="0"/>
+              <a:t>NoSQL</a:t>
+            </a:r>
+            <a:r>
+              <a:rPr lang="en-US" dirty="0" smtClean="0"/>
+              <a:t> Databases</a:t>
+            </a:r>
+            <a:endParaRPr lang="en-US" dirty="0"/>
+          </a:p>
+        </p:txBody>
+      </p:sp>
+      <p:sp>
+        <p:nvSpPr>
+          <p:cNvPr id="3" name="Content Placeholder 2"/>
+          <p:cNvSpPr>
+            <a:spLocks noGrp="1"/>
+          </p:cNvSpPr>
+          <p:nvPr>
+            <p:ph idx="1"/>
+          </p:nvPr>
+        </p:nvSpPr>
+        <p:spPr/>
+        <p:txBody>
+          <a:bodyPr>
+            <a:normAutofit fontScale="92500" lnSpcReduction="10000"/>
+          </a:bodyPr>
+          <a:lstStyle/>
+          <a:p>
+            <a:r>
+              <a:rPr lang="en-US" dirty="0" smtClean="0"/>
+              <a:t>Too many to list!</a:t>
+            </a:r>
+          </a:p>
+          <a:p>
+            <a:r>
+              <a:rPr lang="en-US" dirty="0" smtClean="0"/>
+              <a:t>Popular databases include:</a:t>
+            </a:r>
+          </a:p>
+          <a:p>
+            <a:pPr lvl="1"/>
+            <a:r>
+              <a:rPr lang="en-US" dirty="0" err="1" smtClean="0"/>
+              <a:t>MongoDB</a:t>
+            </a:r>
+            <a:endParaRPr lang="en-US" dirty="0" smtClean="0"/>
+          </a:p>
+          <a:p>
+            <a:pPr lvl="1"/>
+            <a:r>
+              <a:rPr lang="en-US" dirty="0" err="1" smtClean="0"/>
+              <a:t>Couchbase</a:t>
+            </a:r>
+            <a:endParaRPr lang="en-US" dirty="0" smtClean="0"/>
+          </a:p>
+          <a:p>
+            <a:pPr lvl="1"/>
+            <a:r>
+              <a:rPr lang="en-US" dirty="0" smtClean="0"/>
+              <a:t>Apache Cassandra</a:t>
+            </a:r>
+          </a:p>
+          <a:p>
+            <a:pPr lvl="1"/>
+            <a:r>
+              <a:rPr lang="en-US" dirty="0" smtClean="0"/>
+              <a:t>Apache HBase</a:t>
+            </a:r>
+          </a:p>
+          <a:p>
+            <a:pPr lvl="1"/>
+            <a:r>
+              <a:rPr lang="en-US" dirty="0" err="1" smtClean="0"/>
+              <a:t>Voldemort</a:t>
+            </a:r>
+            <a:endParaRPr lang="en-US" dirty="0" smtClean="0"/>
+          </a:p>
+          <a:p>
+            <a:pPr lvl="1"/>
+            <a:r>
+              <a:rPr lang="en-US" dirty="0" err="1" smtClean="0"/>
+              <a:t>Redis</a:t>
+            </a:r>
+            <a:r>
+              <a:rPr lang="en-US" dirty="0" smtClean="0"/>
+              <a:t> </a:t>
+            </a:r>
+          </a:p>
+          <a:p>
+            <a:pPr lvl="1"/>
+            <a:r>
+              <a:rPr lang="en-US" dirty="0" err="1" smtClean="0"/>
+              <a:t>Riak</a:t>
+            </a:r>
+            <a:endParaRPr lang="en-US" dirty="0" smtClean="0"/>
+          </a:p>
+          <a:p>
+            <a:pPr lvl="1"/>
+            <a:r>
+              <a:rPr lang="en-US" dirty="0" err="1" smtClean="0"/>
+              <a:t>Etc</a:t>
+            </a:r>
+            <a:r>
+              <a:rPr lang="en-US" dirty="0" smtClean="0"/>
+              <a:t>, </a:t>
+            </a:r>
+            <a:r>
+              <a:rPr lang="en-US" dirty="0" err="1" smtClean="0"/>
+              <a:t>etc</a:t>
+            </a:r>
+            <a:endParaRPr lang="en-US" dirty="0" smtClean="0"/>
+          </a:p>
+          <a:p>
+            <a:pPr lvl="1"/>
+            <a:endParaRPr lang="en-US" dirty="0" smtClean="0"/>
+          </a:p>
+          <a:p>
+            <a:pPr lvl="1"/>
+            <a:endParaRPr lang="en-US" dirty="0"/>
+          </a:p>
+        </p:txBody>
+      </p:sp>
+    </p:spTree>
+    <p:extLst>
+      <p:ext uri="{BB962C8B-B14F-4D97-AF65-F5344CB8AC3E}">
+        <p14:creationId xmlns:p14="http://schemas.microsoft.com/office/powerpoint/2010/main" val="1801667116"/>
+      </p:ext>
+    </p:extLst>
+  </p:cSld>
+  <p:clrMapOvr>
+    <a:masterClrMapping/>
+  </p:clrMapOvr>
+</p:sld>
+</file>
+
+<file path=ppt/slides/slide13.xml><?xml version="1.0" encoding="utf-8"?>
+<p:sld xmlns:a="http://schemas.openxmlformats.org/drawingml/2006/main" xmlns:r="http://schemas.openxmlformats.org/officeDocument/2006/relationships" xmlns:p="http://schemas.openxmlformats.org/presentationml/2006/main">
+  <p:cSld>
+    <p:spTree>
+      <p:nvGrpSpPr>
+        <p:cNvPr id="1" name=""/>
+        <p:cNvGrpSpPr/>
+        <p:nvPr/>
+      </p:nvGrpSpPr>
+      <p:grpSpPr>
+        <a:xfrm>
+          <a:off x="0" y="0"/>
+          <a:ext cx="0" cy="0"/>
+          <a:chOff x="0" y="0"/>
+          <a:chExt cx="0" cy="0"/>
+        </a:xfrm>
+      </p:grpSpPr>
+      <p:sp>
+        <p:nvSpPr>
+          <p:cNvPr id="2" name="Title 1"/>
+          <p:cNvSpPr>
+            <a:spLocks noGrp="1"/>
+          </p:cNvSpPr>
+          <p:nvPr>
+            <p:ph type="title"/>
+          </p:nvPr>
+        </p:nvSpPr>
+        <p:spPr/>
+        <p:txBody>
+          <a:bodyPr/>
+          <a:lstStyle/>
+          <a:p>
+            <a:r>
+              <a:rPr lang="en-US" dirty="0" smtClean="0"/>
+              <a:t>“</a:t>
+            </a:r>
+            <a:r>
+              <a:rPr lang="en-US" dirty="0" err="1" smtClean="0"/>
+              <a:t>NewSQL</a:t>
+            </a:r>
+            <a:r>
+              <a:rPr lang="en-US" dirty="0" smtClean="0"/>
+              <a:t>”</a:t>
+            </a:r>
+            <a:endParaRPr lang="en-US" dirty="0"/>
+          </a:p>
+        </p:txBody>
+      </p:sp>
+      <p:sp>
+        <p:nvSpPr>
+          <p:cNvPr id="3" name="Content Placeholder 2"/>
+          <p:cNvSpPr>
+            <a:spLocks noGrp="1"/>
+          </p:cNvSpPr>
+          <p:nvPr>
+            <p:ph idx="1"/>
+          </p:nvPr>
+        </p:nvSpPr>
+        <p:spPr/>
+        <p:txBody>
+          <a:bodyPr>
+            <a:noAutofit/>
+          </a:bodyPr>
+          <a:lstStyle/>
+          <a:p>
+            <a:r>
+              <a:rPr lang="en-US" sz="2400" dirty="0" smtClean="0"/>
+              <a:t>ACID databases that aim to provide HA and Partition safety</a:t>
+            </a:r>
+          </a:p>
+          <a:p>
+            <a:pPr lvl="1"/>
+            <a:r>
+              <a:rPr lang="en-US" sz="2000" dirty="0" err="1" smtClean="0"/>
+              <a:t>VoltDB</a:t>
+            </a:r>
+            <a:endParaRPr lang="en-US" sz="2000" dirty="0"/>
+          </a:p>
+          <a:p>
+            <a:pPr lvl="1"/>
+            <a:r>
+              <a:rPr lang="en-US" sz="2000" dirty="0" err="1" smtClean="0"/>
+              <a:t>NuoDB</a:t>
+            </a:r>
+            <a:endParaRPr lang="en-US" sz="2000" dirty="0" smtClean="0"/>
+          </a:p>
+          <a:p>
+            <a:pPr lvl="1"/>
+            <a:r>
+              <a:rPr lang="en-US" sz="2000" dirty="0" smtClean="0"/>
+              <a:t>Google Spanner</a:t>
+            </a:r>
+          </a:p>
+          <a:p>
+            <a:pPr lvl="1"/>
+            <a:r>
+              <a:rPr lang="en-US" sz="2000" dirty="0" err="1" smtClean="0"/>
+              <a:t>MemSQL</a:t>
+            </a:r>
+            <a:endParaRPr lang="en-US" sz="2000" dirty="0" smtClean="0"/>
+          </a:p>
+          <a:p>
+            <a:pPr lvl="1"/>
+            <a:r>
+              <a:rPr lang="en-US" sz="2000" dirty="0" smtClean="0"/>
+              <a:t>SAP HANA</a:t>
+            </a:r>
+          </a:p>
+          <a:p>
+            <a:r>
+              <a:rPr lang="en-US" sz="2400" dirty="0" smtClean="0"/>
+              <a:t>Also there are some backend engines for MySQL that aim to provide this:</a:t>
+            </a:r>
+          </a:p>
+          <a:p>
+            <a:pPr lvl="1"/>
+            <a:r>
+              <a:rPr lang="en-US" sz="2000" dirty="0" smtClean="0"/>
+              <a:t>MySQL Cluster</a:t>
+            </a:r>
+          </a:p>
+          <a:p>
+            <a:pPr lvl="1"/>
+            <a:r>
+              <a:rPr lang="en-US" sz="2000" dirty="0" err="1" smtClean="0"/>
+              <a:t>TokuDB</a:t>
+            </a:r>
+            <a:endParaRPr lang="en-US" sz="2000" dirty="0" smtClean="0"/>
+          </a:p>
+          <a:p>
+            <a:pPr lvl="1"/>
+            <a:endParaRPr lang="en-US" sz="2000" dirty="0" smtClean="0"/>
+          </a:p>
+          <a:p>
+            <a:pPr lvl="1"/>
+            <a:endParaRPr lang="en-US" sz="2000" dirty="0"/>
+          </a:p>
+        </p:txBody>
+      </p:sp>
+    </p:spTree>
+    <p:extLst>
+      <p:ext uri="{BB962C8B-B14F-4D97-AF65-F5344CB8AC3E}">
+        <p14:creationId xmlns:p14="http://schemas.microsoft.com/office/powerpoint/2010/main" val="3154661624"/>
+      </p:ext>
+    </p:extLst>
+  </p:cSld>
+  <p:clrMapOvr>
+    <a:masterClrMapping/>
+  </p:clrMapOvr>
+</p:sld>
+</file>
+
+<file path=ppt/slides/slide14.xml><?xml version="1.0" encoding="utf-8"?>
+<p:sld xmlns:a="http://schemas.openxmlformats.org/drawingml/2006/main" xmlns:r="http://schemas.openxmlformats.org/officeDocument/2006/relationships" xmlns:p="http://schemas.openxmlformats.org/presentationml/2006/main">
+  <p:cSld>
+    <p:spTree>
+      <p:nvGrpSpPr>
+        <p:cNvPr id="1" name=""/>
+        <p:cNvGrpSpPr/>
+        <p:nvPr/>
+      </p:nvGrpSpPr>
+      <p:grpSpPr>
+        <a:xfrm>
+          <a:off x="0" y="0"/>
+          <a:ext cx="0" cy="0"/>
+          <a:chOff x="0" y="0"/>
+          <a:chExt cx="0" cy="0"/>
+        </a:xfrm>
+      </p:grpSpPr>
+      <p:sp>
+        <p:nvSpPr>
+          <p:cNvPr id="2" name="Title 1"/>
+          <p:cNvSpPr>
+            <a:spLocks noGrp="1"/>
+          </p:cNvSpPr>
+          <p:nvPr>
+            <p:ph type="title"/>
+          </p:nvPr>
+        </p:nvSpPr>
+        <p:spPr/>
+        <p:txBody>
+          <a:bodyPr/>
+          <a:lstStyle/>
+          <a:p>
+            <a:r>
+              <a:rPr lang="en-US" dirty="0" smtClean="0"/>
+              <a:t>In Memory Databases	</a:t>
+            </a:r>
+            <a:endParaRPr lang="en-US" dirty="0"/>
+          </a:p>
+        </p:txBody>
+      </p:sp>
+      <p:sp>
+        <p:nvSpPr>
+          <p:cNvPr id="3" name="Content Placeholder 2"/>
+          <p:cNvSpPr>
+            <a:spLocks noGrp="1"/>
+          </p:cNvSpPr>
+          <p:nvPr>
+            <p:ph idx="1"/>
+          </p:nvPr>
+        </p:nvSpPr>
+        <p:spPr/>
+        <p:txBody>
+          <a:bodyPr>
+            <a:normAutofit fontScale="92500" lnSpcReduction="10000"/>
+          </a:bodyPr>
+          <a:lstStyle/>
+          <a:p>
+            <a:r>
+              <a:rPr lang="en-US" dirty="0" smtClean="0"/>
+              <a:t>Memory is relatively much cheaper than it used to be</a:t>
+            </a:r>
+          </a:p>
+          <a:p>
+            <a:r>
+              <a:rPr lang="en-US" dirty="0" smtClean="0"/>
+              <a:t>Uses snapshots or transaction logs to ensure durability</a:t>
+            </a:r>
+          </a:p>
+          <a:p>
+            <a:r>
+              <a:rPr lang="en-US" i="1" dirty="0" smtClean="0"/>
+              <a:t>Some </a:t>
+            </a:r>
+            <a:r>
+              <a:rPr lang="en-US" i="1" dirty="0" err="1" smtClean="0"/>
+              <a:t>NoSQL</a:t>
+            </a:r>
+            <a:r>
+              <a:rPr lang="en-US" i="1" dirty="0" smtClean="0"/>
+              <a:t>, some </a:t>
+            </a:r>
+            <a:r>
+              <a:rPr lang="en-US" i="1" dirty="0" err="1" smtClean="0"/>
+              <a:t>NewSQL</a:t>
+            </a:r>
+            <a:endParaRPr lang="en-US" i="1" dirty="0" smtClean="0"/>
+          </a:p>
+          <a:p>
+            <a:pPr lvl="1"/>
+            <a:r>
+              <a:rPr lang="en-US" dirty="0" smtClean="0"/>
+              <a:t>SAP Hana</a:t>
+            </a:r>
+          </a:p>
+          <a:p>
+            <a:pPr lvl="1"/>
+            <a:r>
+              <a:rPr lang="en-US" dirty="0" err="1" smtClean="0"/>
+              <a:t>Redis</a:t>
+            </a:r>
+            <a:endParaRPr lang="en-US" dirty="0" smtClean="0"/>
+          </a:p>
+          <a:p>
+            <a:pPr lvl="1"/>
+            <a:r>
+              <a:rPr lang="en-US" dirty="0" err="1" smtClean="0"/>
+              <a:t>VoltDB</a:t>
+            </a:r>
+            <a:endParaRPr lang="en-US" dirty="0" smtClean="0"/>
+          </a:p>
+          <a:p>
+            <a:pPr lvl="1"/>
+            <a:r>
+              <a:rPr lang="en-US" dirty="0" err="1" smtClean="0"/>
+              <a:t>MemSQL</a:t>
+            </a:r>
+            <a:endParaRPr lang="en-US" dirty="0" smtClean="0"/>
+          </a:p>
+          <a:p>
+            <a:pPr lvl="1"/>
+            <a:r>
+              <a:rPr lang="en-US" dirty="0" smtClean="0"/>
+              <a:t>Apache Geode</a:t>
+            </a:r>
+            <a:endParaRPr lang="en-US" dirty="0"/>
+          </a:p>
+        </p:txBody>
+      </p:sp>
+    </p:spTree>
+    <p:extLst>
+      <p:ext uri="{BB962C8B-B14F-4D97-AF65-F5344CB8AC3E}">
+        <p14:creationId xmlns:p14="http://schemas.microsoft.com/office/powerpoint/2010/main" val="751049891"/>
+      </p:ext>
+    </p:extLst>
+  </p:cSld>
+  <p:clrMapOvr>
+    <a:masterClrMapping/>
+  </p:clrMapOvr>
+</p:sld>
+</file>
+
+<file path=ppt/slides/slide15.xml><?xml version="1.0" encoding="utf-8"?>
+<p:sld xmlns:a="http://schemas.openxmlformats.org/drawingml/2006/main" xmlns:r="http://schemas.openxmlformats.org/officeDocument/2006/relationships" xmlns:p="http://schemas.openxmlformats.org/presentationml/2006/main">
+  <p:cSld>
+    <p:spTree>
+      <p:nvGrpSpPr>
+        <p:cNvPr id="1" name=""/>
+        <p:cNvGrpSpPr/>
+        <p:nvPr/>
+      </p:nvGrpSpPr>
+      <p:grpSpPr>
+        <a:xfrm>
+          <a:off x="0" y="0"/>
+          <a:ext cx="0" cy="0"/>
+          <a:chOff x="0" y="0"/>
+          <a:chExt cx="0" cy="0"/>
+        </a:xfrm>
+      </p:grpSpPr>
+      <p:sp>
+        <p:nvSpPr>
+          <p:cNvPr id="2" name="Title 1"/>
+          <p:cNvSpPr>
+            <a:spLocks noGrp="1"/>
+          </p:cNvSpPr>
+          <p:nvPr>
+            <p:ph type="title"/>
+          </p:nvPr>
+        </p:nvSpPr>
+        <p:spPr/>
+        <p:txBody>
+          <a:bodyPr/>
+          <a:lstStyle/>
+          <a:p>
+            <a:r>
+              <a:rPr lang="en-US" dirty="0" smtClean="0"/>
+              <a:t>Top ten databases	</a:t>
+            </a:r>
+            <a:endParaRPr lang="en-US" dirty="0"/>
+          </a:p>
+        </p:txBody>
+      </p:sp>
+      <p:pic>
+        <p:nvPicPr>
+          <p:cNvPr id="4" name="Picture 3"/>
+          <p:cNvPicPr>
+            <a:picLocks noChangeAspect="1"/>
+          </p:cNvPicPr>
+          <p:nvPr/>
+        </p:nvPicPr>
+        <p:blipFill>
+          <a:blip r:embed="rId2"/>
+          <a:stretch>
+            <a:fillRect/>
+          </a:stretch>
+        </p:blipFill>
+        <p:spPr>
+          <a:xfrm>
+            <a:off x="0" y="1536700"/>
+            <a:ext cx="9144000" cy="3778594"/>
+          </a:xfrm>
+          <a:prstGeom prst="rect">
+            <a:avLst/>
+          </a:prstGeom>
+        </p:spPr>
+      </p:pic>
+      <p:sp>
+        <p:nvSpPr>
+          <p:cNvPr id="5" name="Rectangle 4"/>
+          <p:cNvSpPr/>
+          <p:nvPr/>
+        </p:nvSpPr>
+        <p:spPr>
+          <a:xfrm>
+            <a:off x="5412617" y="5513093"/>
+            <a:ext cx="3427704" cy="369332"/>
+          </a:xfrm>
+          <a:prstGeom prst="rect">
+            <a:avLst/>
+          </a:prstGeom>
+        </p:spPr>
+        <p:txBody>
+          <a:bodyPr wrap="none">
+            <a:spAutoFit/>
+          </a:bodyPr>
+          <a:lstStyle/>
+          <a:p>
+            <a:r>
+              <a:rPr lang="en-US" dirty="0">
+                <a:hlinkClick r:id="rId3"/>
+              </a:rPr>
+              <a:t>http://db-engines.com/en/</a:t>
+            </a:r>
+            <a:r>
+              <a:rPr lang="en-US" dirty="0" smtClean="0">
+                <a:hlinkClick r:id="rId3"/>
+              </a:rPr>
+              <a:t>ranking</a:t>
+            </a:r>
+            <a:r>
+              <a:rPr lang="en-US" dirty="0" smtClean="0"/>
+              <a:t> </a:t>
+            </a:r>
+            <a:endParaRPr lang="en-US" dirty="0"/>
+          </a:p>
+        </p:txBody>
+      </p:sp>
+    </p:spTree>
+    <p:extLst>
+      <p:ext uri="{BB962C8B-B14F-4D97-AF65-F5344CB8AC3E}">
+        <p14:creationId xmlns:p14="http://schemas.microsoft.com/office/powerpoint/2010/main" val="2024489417"/>
+      </p:ext>
+    </p:extLst>
+  </p:cSld>
+  <p:clrMapOvr>
+    <a:masterClrMapping/>
+  </p:clrMapOvr>
+</p:sld>
+</file>
+
+<file path=ppt/slides/slide16.xml><?xml version="1.0" encoding="utf-8"?>
+<p:sld xmlns:a="http://schemas.openxmlformats.org/drawingml/2006/main" xmlns:r="http://schemas.openxmlformats.org/officeDocument/2006/relationships" xmlns:p="http://schemas.openxmlformats.org/presentationml/2006/main">
+  <p:cSld>
+    <p:spTree>
+      <p:nvGrpSpPr>
+        <p:cNvPr id="1" name=""/>
+        <p:cNvGrpSpPr/>
+        <p:nvPr/>
+      </p:nvGrpSpPr>
+      <p:grpSpPr>
+        <a:xfrm>
+          <a:off x="0" y="0"/>
+          <a:ext cx="0" cy="0"/>
+          <a:chOff x="0" y="0"/>
+          <a:chExt cx="0" cy="0"/>
+        </a:xfrm>
+      </p:grpSpPr>
+      <p:sp>
+        <p:nvSpPr>
+          <p:cNvPr id="2" name="Title 1"/>
+          <p:cNvSpPr>
+            <a:spLocks noGrp="1"/>
+          </p:cNvSpPr>
+          <p:nvPr>
+            <p:ph type="title"/>
+          </p:nvPr>
+        </p:nvSpPr>
+        <p:spPr/>
+        <p:txBody>
+          <a:bodyPr/>
+          <a:lstStyle/>
+          <a:p>
+            <a:r>
+              <a:rPr lang="en-US" dirty="0" smtClean="0"/>
+              <a:t>Next 20</a:t>
+            </a:r>
+            <a:endParaRPr lang="en-US" dirty="0"/>
+          </a:p>
+        </p:txBody>
+      </p:sp>
+      <p:pic>
+        <p:nvPicPr>
+          <p:cNvPr id="4" name="Picture 3"/>
+          <p:cNvPicPr>
+            <a:picLocks noChangeAspect="1"/>
+          </p:cNvPicPr>
+          <p:nvPr/>
+        </p:nvPicPr>
+        <p:blipFill>
+          <a:blip r:embed="rId2"/>
+          <a:stretch>
+            <a:fillRect/>
+          </a:stretch>
+        </p:blipFill>
+        <p:spPr>
+          <a:xfrm>
+            <a:off x="0" y="1405802"/>
+            <a:ext cx="9144000" cy="5452198"/>
+          </a:xfrm>
+          <a:prstGeom prst="rect">
+            <a:avLst/>
+          </a:prstGeom>
+        </p:spPr>
+      </p:pic>
+    </p:spTree>
+    <p:extLst>
+      <p:ext uri="{BB962C8B-B14F-4D97-AF65-F5344CB8AC3E}">
+        <p14:creationId xmlns:p14="http://schemas.microsoft.com/office/powerpoint/2010/main" val="1648306223"/>
+      </p:ext>
+    </p:extLst>
+  </p:cSld>
+  <p:clrMapOvr>
+    <a:masterClrMapping/>
+  </p:clrMapOvr>
+</p:sld>
+</file>
+
+<file path=ppt/slides/slide17.xml><?xml version="1.0" encoding="utf-8"?>
+<p:sld xmlns:a="http://schemas.openxmlformats.org/drawingml/2006/main" xmlns:r="http://schemas.openxmlformats.org/officeDocument/2006/relationships" xmlns:p="http://schemas.openxmlformats.org/presentationml/2006/main">
+  <p:cSld>
+    <p:spTree>
+      <p:nvGrpSpPr>
+        <p:cNvPr id="1" name=""/>
+        <p:cNvGrpSpPr/>
+        <p:nvPr/>
+      </p:nvGrpSpPr>
+      <p:grpSpPr>
+        <a:xfrm>
+          <a:off x="0" y="0"/>
+          <a:ext cx="0" cy="0"/>
+          <a:chOff x="0" y="0"/>
+          <a:chExt cx="0" cy="0"/>
+        </a:xfrm>
+      </p:grpSpPr>
+      <p:sp>
+        <p:nvSpPr>
+          <p:cNvPr id="2" name="Title 1"/>
+          <p:cNvSpPr>
+            <a:spLocks noGrp="1"/>
+          </p:cNvSpPr>
+          <p:nvPr>
+            <p:ph type="title"/>
+          </p:nvPr>
+        </p:nvSpPr>
+        <p:spPr/>
+        <p:txBody>
+          <a:bodyPr>
+            <a:normAutofit fontScale="90000"/>
+          </a:bodyPr>
+          <a:lstStyle/>
+          <a:p>
+            <a:r>
+              <a:rPr lang="en-US" dirty="0" smtClean="0"/>
+              <a:t>Performance (2012) </a:t>
+            </a:r>
+            <a:br>
+              <a:rPr lang="en-US" dirty="0" smtClean="0"/>
+            </a:br>
+            <a:r>
+              <a:rPr lang="en-US" sz="2700" dirty="0" smtClean="0"/>
+              <a:t>50%/50% reads/writes</a:t>
+            </a:r>
+            <a:br>
+              <a:rPr lang="en-US" sz="2700" dirty="0" smtClean="0"/>
+            </a:br>
+            <a:endParaRPr lang="en-US" dirty="0"/>
+          </a:p>
+        </p:txBody>
+      </p:sp>
+      <p:pic>
+        <p:nvPicPr>
+          <p:cNvPr id="4" name="Picture 3"/>
+          <p:cNvPicPr>
+            <a:picLocks noChangeAspect="1"/>
+          </p:cNvPicPr>
+          <p:nvPr/>
+        </p:nvPicPr>
+        <p:blipFill>
+          <a:blip r:embed="rId2"/>
+          <a:stretch>
+            <a:fillRect/>
+          </a:stretch>
+        </p:blipFill>
+        <p:spPr>
+          <a:xfrm>
+            <a:off x="0" y="1226747"/>
+            <a:ext cx="9144000" cy="4984595"/>
+          </a:xfrm>
+          <a:prstGeom prst="rect">
+            <a:avLst/>
+          </a:prstGeom>
+        </p:spPr>
+      </p:pic>
+      <p:sp>
+        <p:nvSpPr>
+          <p:cNvPr id="5" name="Rectangle 4"/>
+          <p:cNvSpPr/>
+          <p:nvPr/>
+        </p:nvSpPr>
+        <p:spPr>
+          <a:xfrm>
+            <a:off x="1215692" y="6119336"/>
+            <a:ext cx="7318232" cy="523220"/>
+          </a:xfrm>
+          <a:prstGeom prst="rect">
+            <a:avLst/>
+          </a:prstGeom>
+          <a:solidFill>
+            <a:schemeClr val="bg1"/>
+          </a:solidFill>
+        </p:spPr>
+        <p:txBody>
+          <a:bodyPr wrap="square">
+            <a:spAutoFit/>
+          </a:bodyPr>
+          <a:lstStyle/>
+          <a:p>
+            <a:r>
+              <a:rPr lang="en-US" sz="1400" dirty="0" err="1"/>
+              <a:t>Rabl</a:t>
+            </a:r>
+            <a:r>
+              <a:rPr lang="en-US" sz="1400" dirty="0"/>
+              <a:t>, </a:t>
+            </a:r>
+            <a:r>
+              <a:rPr lang="en-US" sz="1400" dirty="0" err="1"/>
+              <a:t>Tilmann</a:t>
+            </a:r>
+            <a:r>
+              <a:rPr lang="en-US" sz="1400" dirty="0"/>
+              <a:t>, et al. "Solving big data challenges for enterprise application performance management." Proceedings of the VLDB Endowment 5.12 (2012): 1724-1735.</a:t>
+            </a:r>
+          </a:p>
+        </p:txBody>
+      </p:sp>
+    </p:spTree>
+    <p:extLst>
+      <p:ext uri="{BB962C8B-B14F-4D97-AF65-F5344CB8AC3E}">
+        <p14:creationId xmlns:p14="http://schemas.microsoft.com/office/powerpoint/2010/main" val="2291509243"/>
+      </p:ext>
+    </p:extLst>
+  </p:cSld>
+  <p:clrMapOvr>
+    <a:masterClrMapping/>
+  </p:clrMapOvr>
+</p:sld>
+</file>
+
+<file path=ppt/slides/slide18.xml><?xml version="1.0" encoding="utf-8"?>
+<p:sld xmlns:a="http://schemas.openxmlformats.org/drawingml/2006/main" xmlns:r="http://schemas.openxmlformats.org/officeDocument/2006/relationships" xmlns:p="http://schemas.openxmlformats.org/presentationml/2006/main">
+  <p:cSld>
+    <p:spTree>
+      <p:nvGrpSpPr>
+        <p:cNvPr id="1" name=""/>
+        <p:cNvGrpSpPr/>
+        <p:nvPr/>
+      </p:nvGrpSpPr>
+      <p:grpSpPr>
+        <a:xfrm>
+          <a:off x="0" y="0"/>
+          <a:ext cx="0" cy="0"/>
+          <a:chOff x="0" y="0"/>
+          <a:chExt cx="0" cy="0"/>
+        </a:xfrm>
+      </p:grpSpPr>
+      <p:sp>
+        <p:nvSpPr>
+          <p:cNvPr id="2" name="Title 1"/>
+          <p:cNvSpPr>
+            <a:spLocks noGrp="1"/>
+          </p:cNvSpPr>
+          <p:nvPr>
+            <p:ph type="title"/>
+          </p:nvPr>
+        </p:nvSpPr>
+        <p:spPr/>
+        <p:txBody>
+          <a:bodyPr>
+            <a:normAutofit fontScale="90000"/>
+          </a:bodyPr>
+          <a:lstStyle/>
+          <a:p>
+            <a:r>
+              <a:rPr lang="en-US" dirty="0" smtClean="0"/>
+              <a:t>More performance (2012) </a:t>
+            </a:r>
+            <a:br>
+              <a:rPr lang="en-US" dirty="0" smtClean="0"/>
+            </a:br>
+            <a:r>
+              <a:rPr lang="en-US" sz="2200" dirty="0" smtClean="0"/>
+              <a:t>Read/Scan/Write workload</a:t>
+            </a:r>
+            <a:br>
+              <a:rPr lang="en-US" sz="2200" dirty="0" smtClean="0"/>
+            </a:br>
+            <a:endParaRPr lang="en-US" dirty="0"/>
+          </a:p>
+        </p:txBody>
+      </p:sp>
+      <p:pic>
+        <p:nvPicPr>
+          <p:cNvPr id="6" name="Picture 5"/>
+          <p:cNvPicPr>
+            <a:picLocks noChangeAspect="1"/>
+          </p:cNvPicPr>
+          <p:nvPr/>
+        </p:nvPicPr>
+        <p:blipFill>
+          <a:blip r:embed="rId2"/>
+          <a:stretch>
+            <a:fillRect/>
+          </a:stretch>
+        </p:blipFill>
+        <p:spPr>
+          <a:xfrm>
+            <a:off x="1983638" y="1267852"/>
+            <a:ext cx="5023313" cy="2711289"/>
+          </a:xfrm>
+          <a:prstGeom prst="rect">
+            <a:avLst/>
+          </a:prstGeom>
+        </p:spPr>
+      </p:pic>
+      <p:pic>
+        <p:nvPicPr>
+          <p:cNvPr id="7" name="Picture 6"/>
+          <p:cNvPicPr>
+            <a:picLocks noChangeAspect="1"/>
+          </p:cNvPicPr>
+          <p:nvPr/>
+        </p:nvPicPr>
+        <p:blipFill>
+          <a:blip r:embed="rId3"/>
+          <a:stretch>
+            <a:fillRect/>
+          </a:stretch>
+        </p:blipFill>
+        <p:spPr>
+          <a:xfrm>
+            <a:off x="0" y="3979141"/>
+            <a:ext cx="4724352" cy="2570297"/>
+          </a:xfrm>
+          <a:prstGeom prst="rect">
+            <a:avLst/>
+          </a:prstGeom>
+        </p:spPr>
+      </p:pic>
+      <p:pic>
+        <p:nvPicPr>
+          <p:cNvPr id="8" name="Picture 7"/>
+          <p:cNvPicPr>
+            <a:picLocks noChangeAspect="1"/>
+          </p:cNvPicPr>
+          <p:nvPr/>
+        </p:nvPicPr>
+        <p:blipFill>
+          <a:blip r:embed="rId4"/>
+          <a:stretch>
+            <a:fillRect/>
+          </a:stretch>
+        </p:blipFill>
+        <p:spPr>
+          <a:xfrm>
+            <a:off x="4393496" y="3979141"/>
+            <a:ext cx="4864233" cy="2719204"/>
+          </a:xfrm>
+          <a:prstGeom prst="rect">
+            <a:avLst/>
+          </a:prstGeom>
+        </p:spPr>
+      </p:pic>
+      <p:sp>
+        <p:nvSpPr>
+          <p:cNvPr id="9" name="TextBox 8"/>
+          <p:cNvSpPr txBox="1"/>
+          <p:nvPr/>
+        </p:nvSpPr>
+        <p:spPr>
+          <a:xfrm>
+            <a:off x="3747638" y="1103300"/>
+            <a:ext cx="1291715" cy="369332"/>
+          </a:xfrm>
+          <a:prstGeom prst="rect">
+            <a:avLst/>
+          </a:prstGeom>
+          <a:noFill/>
+        </p:spPr>
+        <p:txBody>
+          <a:bodyPr wrap="none" rtlCol="0">
+            <a:spAutoFit/>
+          </a:bodyPr>
+          <a:lstStyle/>
+          <a:p>
+            <a:r>
+              <a:rPr lang="en-US" dirty="0" smtClean="0"/>
+              <a:t>Throughput</a:t>
+            </a:r>
+            <a:endParaRPr lang="en-US" dirty="0"/>
+          </a:p>
+        </p:txBody>
+      </p:sp>
+      <p:sp>
+        <p:nvSpPr>
+          <p:cNvPr id="10" name="TextBox 9"/>
+          <p:cNvSpPr txBox="1"/>
+          <p:nvPr/>
+        </p:nvSpPr>
+        <p:spPr>
+          <a:xfrm>
+            <a:off x="1816504" y="3794475"/>
+            <a:ext cx="1432040" cy="369332"/>
+          </a:xfrm>
+          <a:prstGeom prst="rect">
+            <a:avLst/>
+          </a:prstGeom>
+          <a:noFill/>
+        </p:spPr>
+        <p:txBody>
+          <a:bodyPr wrap="none" rtlCol="0">
+            <a:spAutoFit/>
+          </a:bodyPr>
+          <a:lstStyle/>
+          <a:p>
+            <a:r>
+              <a:rPr lang="en-US" dirty="0" smtClean="0"/>
+              <a:t>Read Latency</a:t>
+            </a:r>
+            <a:endParaRPr lang="en-US" dirty="0"/>
+          </a:p>
+        </p:txBody>
+      </p:sp>
+      <p:sp>
+        <p:nvSpPr>
+          <p:cNvPr id="11" name="TextBox 10"/>
+          <p:cNvSpPr txBox="1"/>
+          <p:nvPr/>
+        </p:nvSpPr>
+        <p:spPr>
+          <a:xfrm>
+            <a:off x="6290931" y="3794475"/>
+            <a:ext cx="1492716" cy="369332"/>
+          </a:xfrm>
+          <a:prstGeom prst="rect">
+            <a:avLst/>
+          </a:prstGeom>
+          <a:noFill/>
+        </p:spPr>
+        <p:txBody>
+          <a:bodyPr wrap="none" rtlCol="0">
+            <a:spAutoFit/>
+          </a:bodyPr>
+          <a:lstStyle/>
+          <a:p>
+            <a:r>
+              <a:rPr lang="en-US" dirty="0" smtClean="0"/>
+              <a:t>Write Latency</a:t>
+            </a:r>
+            <a:endParaRPr lang="en-US" dirty="0"/>
+          </a:p>
+        </p:txBody>
+      </p:sp>
+    </p:spTree>
+    <p:extLst>
+      <p:ext uri="{BB962C8B-B14F-4D97-AF65-F5344CB8AC3E}">
+        <p14:creationId xmlns:p14="http://schemas.microsoft.com/office/powerpoint/2010/main" val="3785015560"/>
+      </p:ext>
+    </p:extLst>
+  </p:cSld>
+  <p:clrMapOvr>
+    <a:masterClrMapping/>
+  </p:clrMapOvr>
+</p:sld>
+</file>
+
+<file path=ppt/slides/slide19.xml><?xml version="1.0" encoding="utf-8"?>
+<p:sld xmlns:a="http://schemas.openxmlformats.org/drawingml/2006/main" xmlns:r="http://schemas.openxmlformats.org/officeDocument/2006/relationships" xmlns:p="http://schemas.openxmlformats.org/presentationml/2006/main">
+  <p:cSld>
+    <p:spTree>
+      <p:nvGrpSpPr>
+        <p:cNvPr id="1" name=""/>
+        <p:cNvGrpSpPr/>
+        <p:nvPr/>
+      </p:nvGrpSpPr>
+      <p:grpSpPr>
+        <a:xfrm>
+          <a:off x="0" y="0"/>
+          <a:ext cx="0" cy="0"/>
+          <a:chOff x="0" y="0"/>
+          <a:chExt cx="0" cy="0"/>
+        </a:xfrm>
+      </p:grpSpPr>
+      <p:sp>
+        <p:nvSpPr>
+          <p:cNvPr id="2" name="Title 1"/>
+          <p:cNvSpPr>
+            <a:spLocks noGrp="1"/>
+          </p:cNvSpPr>
+          <p:nvPr>
+            <p:ph type="title"/>
+          </p:nvPr>
+        </p:nvSpPr>
+        <p:spPr/>
+        <p:txBody>
+          <a:bodyPr>
+            <a:normAutofit fontScale="90000"/>
+          </a:bodyPr>
+          <a:lstStyle/>
+          <a:p>
+            <a:r>
+              <a:rPr lang="en-US" dirty="0" smtClean="0"/>
+              <a:t>Summary of Performance benchmark (2012)</a:t>
+            </a:r>
+            <a:endParaRPr lang="en-US" dirty="0"/>
+          </a:p>
+        </p:txBody>
+      </p:sp>
+      <p:sp>
+        <p:nvSpPr>
+          <p:cNvPr id="3" name="Content Placeholder 2"/>
+          <p:cNvSpPr>
+            <a:spLocks noGrp="1"/>
+          </p:cNvSpPr>
+          <p:nvPr>
+            <p:ph idx="1"/>
+          </p:nvPr>
+        </p:nvSpPr>
+        <p:spPr/>
+        <p:txBody>
+          <a:bodyPr>
+            <a:normAutofit/>
+          </a:bodyPr>
+          <a:lstStyle/>
+          <a:p>
+            <a:r>
+              <a:rPr lang="en-US" sz="2400" b="1" dirty="0" smtClean="0"/>
+              <a:t>Cassandra</a:t>
+            </a:r>
+            <a:r>
+              <a:rPr lang="en-US" sz="2400" dirty="0" smtClean="0"/>
+              <a:t> had the best throughput but high latency</a:t>
+            </a:r>
+          </a:p>
+          <a:p>
+            <a:r>
+              <a:rPr lang="en-US" sz="2400" b="1" dirty="0" err="1" smtClean="0"/>
+              <a:t>Voldemort</a:t>
+            </a:r>
+            <a:r>
+              <a:rPr lang="en-US" sz="2400" dirty="0" smtClean="0"/>
+              <a:t> had the best and most stable latency but lower throughput</a:t>
+            </a:r>
+          </a:p>
+          <a:p>
+            <a:r>
+              <a:rPr lang="en-US" sz="2400" b="1" dirty="0" smtClean="0"/>
+              <a:t>HBase</a:t>
+            </a:r>
+            <a:r>
+              <a:rPr lang="en-US" sz="2400" dirty="0" smtClean="0"/>
+              <a:t> had low performance per node but scaled well</a:t>
+            </a:r>
+          </a:p>
+          <a:p>
+            <a:pPr lvl="1"/>
+            <a:r>
+              <a:rPr lang="en-US" sz="2000" dirty="0" smtClean="0"/>
+              <a:t>Low write latency </a:t>
+            </a:r>
+          </a:p>
+          <a:p>
+            <a:r>
+              <a:rPr lang="en-US" sz="2400" b="1" dirty="0" err="1" smtClean="0"/>
+              <a:t>Redis</a:t>
+            </a:r>
+            <a:r>
+              <a:rPr lang="en-US" sz="2400" b="1" dirty="0" smtClean="0"/>
+              <a:t>, MySQL and </a:t>
+            </a:r>
+            <a:r>
+              <a:rPr lang="en-US" sz="2400" b="1" dirty="0" err="1" smtClean="0"/>
+              <a:t>VoltDB</a:t>
+            </a:r>
+            <a:r>
+              <a:rPr lang="en-US" sz="2400" dirty="0" smtClean="0"/>
+              <a:t> did not scale as well in multi-node setups</a:t>
+            </a:r>
+            <a:endParaRPr lang="en-US" sz="2400" dirty="0"/>
+          </a:p>
+        </p:txBody>
+      </p:sp>
+    </p:spTree>
+    <p:extLst>
+      <p:ext uri="{BB962C8B-B14F-4D97-AF65-F5344CB8AC3E}">
+        <p14:creationId xmlns:p14="http://schemas.microsoft.com/office/powerpoint/2010/main" val="2362432227"/>
+      </p:ext>
+    </p:extLst>
+  </p:cSld>
+  <p:clrMapOvr>
+    <a:masterClrMapping/>
+  </p:clrMapOvr>
+</p:sld>
+</file>
+
 <file path=ppt/slides/slide2.xml><?xml version="1.0" encoding="utf-8"?>
 <p:sld xmlns:a="http://schemas.openxmlformats.org/drawingml/2006/main" xmlns:r="http://schemas.openxmlformats.org/officeDocument/2006/relationships" xmlns:p="http://schemas.openxmlformats.org/presentationml/2006/main">
   <p:cSld>
@@ -4141,6 +5515,1092 @@
     <p:extLst>
       <p:ext uri="{BB962C8B-B14F-4D97-AF65-F5344CB8AC3E}">
         <p14:creationId xmlns:p14="http://schemas.microsoft.com/office/powerpoint/2010/main" val="3620502036"/>
+      </p:ext>
+    </p:extLst>
+  </p:cSld>
+  <p:clrMapOvr>
+    <a:masterClrMapping/>
+  </p:clrMapOvr>
+</p:sld>
+</file>
+
+<file path=ppt/slides/slide20.xml><?xml version="1.0" encoding="utf-8"?>
+<p:sld xmlns:a="http://schemas.openxmlformats.org/drawingml/2006/main" xmlns:r="http://schemas.openxmlformats.org/officeDocument/2006/relationships" xmlns:p="http://schemas.openxmlformats.org/presentationml/2006/main">
+  <p:cSld>
+    <p:spTree>
+      <p:nvGrpSpPr>
+        <p:cNvPr id="1" name=""/>
+        <p:cNvGrpSpPr/>
+        <p:nvPr/>
+      </p:nvGrpSpPr>
+      <p:grpSpPr>
+        <a:xfrm>
+          <a:off x="0" y="0"/>
+          <a:ext cx="0" cy="0"/>
+          <a:chOff x="0" y="0"/>
+          <a:chExt cx="0" cy="0"/>
+        </a:xfrm>
+      </p:grpSpPr>
+      <p:sp>
+        <p:nvSpPr>
+          <p:cNvPr id="2" name="Title 1"/>
+          <p:cNvSpPr>
+            <a:spLocks noGrp="1"/>
+          </p:cNvSpPr>
+          <p:nvPr>
+            <p:ph type="title"/>
+          </p:nvPr>
+        </p:nvSpPr>
+        <p:spPr/>
+        <p:txBody>
+          <a:bodyPr/>
+          <a:lstStyle/>
+          <a:p>
+            <a:r>
+              <a:rPr lang="en-US" dirty="0" smtClean="0"/>
+              <a:t>Key Value databases</a:t>
+            </a:r>
+            <a:endParaRPr lang="en-US" dirty="0"/>
+          </a:p>
+        </p:txBody>
+      </p:sp>
+      <p:sp>
+        <p:nvSpPr>
+          <p:cNvPr id="3" name="Content Placeholder 2"/>
+          <p:cNvSpPr>
+            <a:spLocks noGrp="1"/>
+          </p:cNvSpPr>
+          <p:nvPr>
+            <p:ph idx="1"/>
+          </p:nvPr>
+        </p:nvSpPr>
+        <p:spPr/>
+        <p:txBody>
+          <a:bodyPr/>
+          <a:lstStyle/>
+          <a:p>
+            <a:r>
+              <a:rPr lang="en-US" dirty="0" smtClean="0"/>
+              <a:t>A persistent associative array or dictionary</a:t>
+            </a:r>
+          </a:p>
+          <a:p>
+            <a:r>
+              <a:rPr lang="en-US" dirty="0" smtClean="0"/>
+              <a:t>Simple access and fits well with programming models (especially MR)</a:t>
+            </a:r>
+          </a:p>
+          <a:p>
+            <a:r>
+              <a:rPr lang="en-US" dirty="0" smtClean="0"/>
+              <a:t>Indexing on other data is not often possible and can be slow</a:t>
+            </a:r>
+          </a:p>
+          <a:p>
+            <a:pPr marL="0" indent="0">
+              <a:buNone/>
+            </a:pPr>
+            <a:endParaRPr lang="en-US" dirty="0"/>
+          </a:p>
+        </p:txBody>
+      </p:sp>
+    </p:spTree>
+    <p:extLst>
+      <p:ext uri="{BB962C8B-B14F-4D97-AF65-F5344CB8AC3E}">
+        <p14:creationId xmlns:p14="http://schemas.microsoft.com/office/powerpoint/2010/main" val="2646992993"/>
+      </p:ext>
+    </p:extLst>
+  </p:cSld>
+  <p:clrMapOvr>
+    <a:masterClrMapping/>
+  </p:clrMapOvr>
+</p:sld>
+</file>
+
+<file path=ppt/slides/slide21.xml><?xml version="1.0" encoding="utf-8"?>
+<p:sld xmlns:a="http://schemas.openxmlformats.org/drawingml/2006/main" xmlns:r="http://schemas.openxmlformats.org/officeDocument/2006/relationships" xmlns:p="http://schemas.openxmlformats.org/presentationml/2006/main">
+  <p:cSld>
+    <p:spTree>
+      <p:nvGrpSpPr>
+        <p:cNvPr id="1" name=""/>
+        <p:cNvGrpSpPr/>
+        <p:nvPr/>
+      </p:nvGrpSpPr>
+      <p:grpSpPr>
+        <a:xfrm>
+          <a:off x="0" y="0"/>
+          <a:ext cx="0" cy="0"/>
+          <a:chOff x="0" y="0"/>
+          <a:chExt cx="0" cy="0"/>
+        </a:xfrm>
+      </p:grpSpPr>
+      <p:sp>
+        <p:nvSpPr>
+          <p:cNvPr id="2" name="Title 1"/>
+          <p:cNvSpPr>
+            <a:spLocks noGrp="1"/>
+          </p:cNvSpPr>
+          <p:nvPr>
+            <p:ph type="title"/>
+          </p:nvPr>
+        </p:nvSpPr>
+        <p:spPr/>
+        <p:txBody>
+          <a:bodyPr/>
+          <a:lstStyle/>
+          <a:p>
+            <a:r>
+              <a:rPr lang="en-US" dirty="0" smtClean="0"/>
+              <a:t>Graph Databases</a:t>
+            </a:r>
+            <a:endParaRPr lang="en-US" dirty="0"/>
+          </a:p>
+        </p:txBody>
+      </p:sp>
+      <p:pic>
+        <p:nvPicPr>
+          <p:cNvPr id="5" name="Picture 4"/>
+          <p:cNvPicPr>
+            <a:picLocks noChangeAspect="1"/>
+          </p:cNvPicPr>
+          <p:nvPr/>
+        </p:nvPicPr>
+        <p:blipFill>
+          <a:blip r:embed="rId2"/>
+          <a:stretch>
+            <a:fillRect/>
+          </a:stretch>
+        </p:blipFill>
+        <p:spPr>
+          <a:xfrm>
+            <a:off x="1812389" y="1417638"/>
+            <a:ext cx="5272734" cy="5295527"/>
+          </a:xfrm>
+          <a:prstGeom prst="rect">
+            <a:avLst/>
+          </a:prstGeom>
+        </p:spPr>
+      </p:pic>
+      <p:sp>
+        <p:nvSpPr>
+          <p:cNvPr id="6" name="TextBox 5"/>
+          <p:cNvSpPr txBox="1"/>
+          <p:nvPr/>
+        </p:nvSpPr>
+        <p:spPr>
+          <a:xfrm>
+            <a:off x="7216100" y="6447892"/>
+            <a:ext cx="1470700" cy="369332"/>
+          </a:xfrm>
+          <a:prstGeom prst="rect">
+            <a:avLst/>
+          </a:prstGeom>
+          <a:noFill/>
+        </p:spPr>
+        <p:txBody>
+          <a:bodyPr wrap="none" rtlCol="0">
+            <a:spAutoFit/>
+          </a:bodyPr>
+          <a:lstStyle/>
+          <a:p>
+            <a:r>
+              <a:rPr lang="en-US" dirty="0" smtClean="0"/>
+              <a:t>Source: neo4j</a:t>
+            </a:r>
+            <a:endParaRPr lang="en-US" dirty="0"/>
+          </a:p>
+        </p:txBody>
+      </p:sp>
+    </p:spTree>
+    <p:extLst>
+      <p:ext uri="{BB962C8B-B14F-4D97-AF65-F5344CB8AC3E}">
+        <p14:creationId xmlns:p14="http://schemas.microsoft.com/office/powerpoint/2010/main" val="2960561043"/>
+      </p:ext>
+    </p:extLst>
+  </p:cSld>
+  <p:clrMapOvr>
+    <a:masterClrMapping/>
+  </p:clrMapOvr>
+</p:sld>
+</file>
+
+<file path=ppt/slides/slide22.xml><?xml version="1.0" encoding="utf-8"?>
+<p:sld xmlns:a="http://schemas.openxmlformats.org/drawingml/2006/main" xmlns:r="http://schemas.openxmlformats.org/officeDocument/2006/relationships" xmlns:p="http://schemas.openxmlformats.org/presentationml/2006/main">
+  <p:cSld>
+    <p:spTree>
+      <p:nvGrpSpPr>
+        <p:cNvPr id="1" name=""/>
+        <p:cNvGrpSpPr/>
+        <p:nvPr/>
+      </p:nvGrpSpPr>
+      <p:grpSpPr>
+        <a:xfrm>
+          <a:off x="0" y="0"/>
+          <a:ext cx="0" cy="0"/>
+          <a:chOff x="0" y="0"/>
+          <a:chExt cx="0" cy="0"/>
+        </a:xfrm>
+      </p:grpSpPr>
+      <p:sp>
+        <p:nvSpPr>
+          <p:cNvPr id="2" name="Title 1"/>
+          <p:cNvSpPr>
+            <a:spLocks noGrp="1"/>
+          </p:cNvSpPr>
+          <p:nvPr>
+            <p:ph type="title"/>
+          </p:nvPr>
+        </p:nvSpPr>
+        <p:spPr/>
+        <p:txBody>
+          <a:bodyPr/>
+          <a:lstStyle/>
+          <a:p>
+            <a:r>
+              <a:rPr lang="en-US" dirty="0" smtClean="0"/>
+              <a:t>Graph Database mapping</a:t>
+            </a:r>
+            <a:endParaRPr lang="en-US" dirty="0"/>
+          </a:p>
+        </p:txBody>
+      </p:sp>
+      <p:pic>
+        <p:nvPicPr>
+          <p:cNvPr id="4" name="Picture 3"/>
+          <p:cNvPicPr>
+            <a:picLocks noChangeAspect="1"/>
+          </p:cNvPicPr>
+          <p:nvPr/>
+        </p:nvPicPr>
+        <p:blipFill>
+          <a:blip r:embed="rId2"/>
+          <a:stretch>
+            <a:fillRect/>
+          </a:stretch>
+        </p:blipFill>
+        <p:spPr>
+          <a:xfrm>
+            <a:off x="1769576" y="1176675"/>
+            <a:ext cx="5775601" cy="5167643"/>
+          </a:xfrm>
+          <a:prstGeom prst="rect">
+            <a:avLst/>
+          </a:prstGeom>
+        </p:spPr>
+      </p:pic>
+      <p:sp>
+        <p:nvSpPr>
+          <p:cNvPr id="5" name="TextBox 4"/>
+          <p:cNvSpPr txBox="1"/>
+          <p:nvPr/>
+        </p:nvSpPr>
+        <p:spPr>
+          <a:xfrm>
+            <a:off x="7368500" y="6429064"/>
+            <a:ext cx="1470700" cy="369332"/>
+          </a:xfrm>
+          <a:prstGeom prst="rect">
+            <a:avLst/>
+          </a:prstGeom>
+          <a:noFill/>
+        </p:spPr>
+        <p:txBody>
+          <a:bodyPr wrap="none" rtlCol="0">
+            <a:spAutoFit/>
+          </a:bodyPr>
+          <a:lstStyle/>
+          <a:p>
+            <a:r>
+              <a:rPr lang="en-US" dirty="0" smtClean="0"/>
+              <a:t>Source: neo4j</a:t>
+            </a:r>
+            <a:endParaRPr lang="en-US" dirty="0"/>
+          </a:p>
+        </p:txBody>
+      </p:sp>
+    </p:spTree>
+    <p:extLst>
+      <p:ext uri="{BB962C8B-B14F-4D97-AF65-F5344CB8AC3E}">
+        <p14:creationId xmlns:p14="http://schemas.microsoft.com/office/powerpoint/2010/main" val="1004481546"/>
+      </p:ext>
+    </p:extLst>
+  </p:cSld>
+  <p:clrMapOvr>
+    <a:masterClrMapping/>
+  </p:clrMapOvr>
+</p:sld>
+</file>
+
+<file path=ppt/slides/slide23.xml><?xml version="1.0" encoding="utf-8"?>
+<p:sld xmlns:a="http://schemas.openxmlformats.org/drawingml/2006/main" xmlns:r="http://schemas.openxmlformats.org/officeDocument/2006/relationships" xmlns:p="http://schemas.openxmlformats.org/presentationml/2006/main">
+  <p:cSld>
+    <p:spTree>
+      <p:nvGrpSpPr>
+        <p:cNvPr id="1" name=""/>
+        <p:cNvGrpSpPr/>
+        <p:nvPr/>
+      </p:nvGrpSpPr>
+      <p:grpSpPr>
+        <a:xfrm>
+          <a:off x="0" y="0"/>
+          <a:ext cx="0" cy="0"/>
+          <a:chOff x="0" y="0"/>
+          <a:chExt cx="0" cy="0"/>
+        </a:xfrm>
+      </p:grpSpPr>
+      <p:sp>
+        <p:nvSpPr>
+          <p:cNvPr id="2" name="Title 1"/>
+          <p:cNvSpPr>
+            <a:spLocks noGrp="1"/>
+          </p:cNvSpPr>
+          <p:nvPr>
+            <p:ph type="title"/>
+          </p:nvPr>
+        </p:nvSpPr>
+        <p:spPr/>
+        <p:txBody>
+          <a:bodyPr/>
+          <a:lstStyle/>
+          <a:p>
+            <a:r>
+              <a:rPr lang="en-US" dirty="0" smtClean="0"/>
+              <a:t>Apache Cassandra</a:t>
+            </a:r>
+            <a:endParaRPr lang="en-US" dirty="0"/>
+          </a:p>
+        </p:txBody>
+      </p:sp>
+      <p:sp>
+        <p:nvSpPr>
+          <p:cNvPr id="3" name="Content Placeholder 2"/>
+          <p:cNvSpPr>
+            <a:spLocks noGrp="1"/>
+          </p:cNvSpPr>
+          <p:nvPr>
+            <p:ph idx="1"/>
+          </p:nvPr>
+        </p:nvSpPr>
+        <p:spPr/>
+        <p:txBody>
+          <a:bodyPr>
+            <a:normAutofit/>
+          </a:bodyPr>
+          <a:lstStyle/>
+          <a:p>
+            <a:r>
+              <a:rPr lang="en-US" sz="2400" dirty="0" err="1" smtClean="0"/>
+              <a:t>Masterless</a:t>
+            </a:r>
+            <a:r>
+              <a:rPr lang="en-US" sz="2400" dirty="0" smtClean="0"/>
+              <a:t> / Symmetric</a:t>
+            </a:r>
+          </a:p>
+          <a:p>
+            <a:pPr lvl="1"/>
+            <a:r>
+              <a:rPr lang="en-US" sz="2000" dirty="0" smtClean="0"/>
+              <a:t>Every node is equal and you can write to any node as well as read</a:t>
+            </a:r>
+          </a:p>
+          <a:p>
+            <a:r>
+              <a:rPr lang="en-US" sz="2400" dirty="0" smtClean="0"/>
+              <a:t>Shared Nothing architecture</a:t>
+            </a:r>
+          </a:p>
+          <a:p>
+            <a:pPr lvl="1"/>
+            <a:r>
+              <a:rPr lang="en-US" sz="2000" dirty="0" smtClean="0"/>
+              <a:t>Each server has its own disk </a:t>
+            </a:r>
+          </a:p>
+          <a:p>
+            <a:r>
+              <a:rPr lang="en-US" sz="2400" dirty="0" smtClean="0"/>
+              <a:t>Based on Dynamo</a:t>
+            </a:r>
+          </a:p>
+          <a:p>
+            <a:pPr lvl="1"/>
+            <a:r>
+              <a:rPr lang="en-US" sz="2000" dirty="0" smtClean="0"/>
+              <a:t> for automatic </a:t>
+            </a:r>
+            <a:r>
+              <a:rPr lang="en-US" sz="2000" dirty="0" err="1" smtClean="0"/>
+              <a:t>sharding</a:t>
+            </a:r>
+            <a:r>
+              <a:rPr lang="en-US" sz="2000" dirty="0" smtClean="0"/>
+              <a:t> and eventual consistency</a:t>
+            </a:r>
+          </a:p>
+          <a:p>
+            <a:r>
+              <a:rPr lang="en-US" sz="2400" dirty="0" smtClean="0"/>
+              <a:t>And </a:t>
+            </a:r>
+            <a:r>
+              <a:rPr lang="en-US" sz="2400" dirty="0" err="1" smtClean="0"/>
+              <a:t>BigTable</a:t>
+            </a:r>
+            <a:endParaRPr lang="en-US" sz="2400" dirty="0" smtClean="0"/>
+          </a:p>
+          <a:p>
+            <a:pPr lvl="1"/>
+            <a:r>
+              <a:rPr lang="en-US" sz="2000" dirty="0" smtClean="0"/>
+              <a:t>For “Column Families”</a:t>
+            </a:r>
+          </a:p>
+          <a:p>
+            <a:r>
+              <a:rPr lang="en-US" sz="2400" dirty="0" smtClean="0"/>
+              <a:t>Donated to Apache by Facebook</a:t>
+            </a:r>
+          </a:p>
+          <a:p>
+            <a:pPr lvl="1"/>
+            <a:r>
+              <a:rPr lang="en-US" sz="2000" dirty="0" smtClean="0"/>
+              <a:t>Now mostly developed by </a:t>
+            </a:r>
+            <a:r>
+              <a:rPr lang="en-US" sz="2000" dirty="0" err="1" smtClean="0"/>
+              <a:t>DataStax</a:t>
+            </a:r>
+            <a:endParaRPr lang="en-US" sz="2000" dirty="0"/>
+          </a:p>
+        </p:txBody>
+      </p:sp>
+    </p:spTree>
+    <p:extLst>
+      <p:ext uri="{BB962C8B-B14F-4D97-AF65-F5344CB8AC3E}">
+        <p14:creationId xmlns:p14="http://schemas.microsoft.com/office/powerpoint/2010/main" val="4131345837"/>
+      </p:ext>
+    </p:extLst>
+  </p:cSld>
+  <p:clrMapOvr>
+    <a:masterClrMapping/>
+  </p:clrMapOvr>
+</p:sld>
+</file>
+
+<file path=ppt/slides/slide24.xml><?xml version="1.0" encoding="utf-8"?>
+<p:sld xmlns:a="http://schemas.openxmlformats.org/drawingml/2006/main" xmlns:r="http://schemas.openxmlformats.org/officeDocument/2006/relationships" xmlns:p="http://schemas.openxmlformats.org/presentationml/2006/main">
+  <p:cSld>
+    <p:spTree>
+      <p:nvGrpSpPr>
+        <p:cNvPr id="1" name=""/>
+        <p:cNvGrpSpPr/>
+        <p:nvPr/>
+      </p:nvGrpSpPr>
+      <p:grpSpPr>
+        <a:xfrm>
+          <a:off x="0" y="0"/>
+          <a:ext cx="0" cy="0"/>
+          <a:chOff x="0" y="0"/>
+          <a:chExt cx="0" cy="0"/>
+        </a:xfrm>
+      </p:grpSpPr>
+      <p:sp>
+        <p:nvSpPr>
+          <p:cNvPr id="2" name="Title 1"/>
+          <p:cNvSpPr>
+            <a:spLocks noGrp="1"/>
+          </p:cNvSpPr>
+          <p:nvPr>
+            <p:ph type="title"/>
+          </p:nvPr>
+        </p:nvSpPr>
+        <p:spPr/>
+        <p:txBody>
+          <a:bodyPr/>
+          <a:lstStyle/>
+          <a:p>
+            <a:r>
+              <a:rPr lang="en-US" dirty="0" smtClean="0"/>
+              <a:t>More on Cassandra</a:t>
+            </a:r>
+            <a:endParaRPr lang="en-US" dirty="0"/>
+          </a:p>
+        </p:txBody>
+      </p:sp>
+      <p:sp>
+        <p:nvSpPr>
+          <p:cNvPr id="3" name="Content Placeholder 2"/>
+          <p:cNvSpPr>
+            <a:spLocks noGrp="1"/>
+          </p:cNvSpPr>
+          <p:nvPr>
+            <p:ph idx="1"/>
+          </p:nvPr>
+        </p:nvSpPr>
+        <p:spPr/>
+        <p:txBody>
+          <a:bodyPr/>
+          <a:lstStyle/>
+          <a:p>
+            <a:pPr marL="0" indent="0">
+              <a:buNone/>
+            </a:pPr>
+            <a:endParaRPr lang="en-US" dirty="0" smtClean="0"/>
+          </a:p>
+          <a:p>
+            <a:pPr marL="0" indent="0">
+              <a:buNone/>
+            </a:pPr>
+            <a:endParaRPr lang="en-US" dirty="0"/>
+          </a:p>
+          <a:p>
+            <a:pPr marL="0" indent="0">
+              <a:buNone/>
+            </a:pPr>
+            <a:r>
+              <a:rPr lang="en-US" dirty="0" smtClean="0"/>
+              <a:t>Coming up!</a:t>
+            </a:r>
+            <a:endParaRPr lang="en-US" dirty="0"/>
+          </a:p>
+        </p:txBody>
+      </p:sp>
+    </p:spTree>
+    <p:extLst>
+      <p:ext uri="{BB962C8B-B14F-4D97-AF65-F5344CB8AC3E}">
+        <p14:creationId xmlns:p14="http://schemas.microsoft.com/office/powerpoint/2010/main" val="2417062938"/>
+      </p:ext>
+    </p:extLst>
+  </p:cSld>
+  <p:clrMapOvr>
+    <a:masterClrMapping/>
+  </p:clrMapOvr>
+</p:sld>
+</file>
+
+<file path=ppt/slides/slide25.xml><?xml version="1.0" encoding="utf-8"?>
+<p:sld xmlns:a="http://schemas.openxmlformats.org/drawingml/2006/main" xmlns:r="http://schemas.openxmlformats.org/officeDocument/2006/relationships" xmlns:p="http://schemas.openxmlformats.org/presentationml/2006/main">
+  <p:cSld>
+    <p:spTree>
+      <p:nvGrpSpPr>
+        <p:cNvPr id="1" name=""/>
+        <p:cNvGrpSpPr/>
+        <p:nvPr/>
+      </p:nvGrpSpPr>
+      <p:grpSpPr>
+        <a:xfrm>
+          <a:off x="0" y="0"/>
+          <a:ext cx="0" cy="0"/>
+          <a:chOff x="0" y="0"/>
+          <a:chExt cx="0" cy="0"/>
+        </a:xfrm>
+      </p:grpSpPr>
+      <p:sp>
+        <p:nvSpPr>
+          <p:cNvPr id="2" name="Title 1"/>
+          <p:cNvSpPr>
+            <a:spLocks noGrp="1"/>
+          </p:cNvSpPr>
+          <p:nvPr>
+            <p:ph type="title"/>
+          </p:nvPr>
+        </p:nvSpPr>
+        <p:spPr/>
+        <p:txBody>
+          <a:bodyPr/>
+          <a:lstStyle/>
+          <a:p>
+            <a:r>
+              <a:rPr lang="en-US" smtClean="0"/>
+              <a:t>Questions?</a:t>
+            </a:r>
+            <a:endParaRPr lang="en-US" dirty="0"/>
+          </a:p>
+        </p:txBody>
+      </p:sp>
+      <p:sp>
+        <p:nvSpPr>
+          <p:cNvPr id="3" name="Content Placeholder 2"/>
+          <p:cNvSpPr>
+            <a:spLocks noGrp="1"/>
+          </p:cNvSpPr>
+          <p:nvPr>
+            <p:ph idx="1"/>
+          </p:nvPr>
+        </p:nvSpPr>
+        <p:spPr/>
+        <p:txBody>
+          <a:bodyPr/>
+          <a:lstStyle/>
+          <a:p>
+            <a:endParaRPr lang="en-US"/>
+          </a:p>
+        </p:txBody>
+      </p:sp>
+    </p:spTree>
+    <p:extLst>
+      <p:ext uri="{BB962C8B-B14F-4D97-AF65-F5344CB8AC3E}">
+        <p14:creationId xmlns:p14="http://schemas.microsoft.com/office/powerpoint/2010/main" val="1790802765"/>
+      </p:ext>
+    </p:extLst>
+  </p:cSld>
+  <p:clrMapOvr>
+    <a:masterClrMapping/>
+  </p:clrMapOvr>
+</p:sld>
+</file>
+
+<file path=ppt/slides/slide26.xml><?xml version="1.0" encoding="utf-8"?>
+<p:sld xmlns:a="http://schemas.openxmlformats.org/drawingml/2006/main" xmlns:r="http://schemas.openxmlformats.org/officeDocument/2006/relationships" xmlns:p="http://schemas.openxmlformats.org/presentationml/2006/main">
+  <p:cSld>
+    <p:spTree>
+      <p:nvGrpSpPr>
+        <p:cNvPr id="1" name=""/>
+        <p:cNvGrpSpPr/>
+        <p:nvPr/>
+      </p:nvGrpSpPr>
+      <p:grpSpPr>
+        <a:xfrm>
+          <a:off x="0" y="0"/>
+          <a:ext cx="0" cy="0"/>
+          <a:chOff x="0" y="0"/>
+          <a:chExt cx="0" cy="0"/>
+        </a:xfrm>
+      </p:grpSpPr>
+      <p:sp>
+        <p:nvSpPr>
+          <p:cNvPr id="2" name="Title 1"/>
+          <p:cNvSpPr>
+            <a:spLocks noGrp="1"/>
+          </p:cNvSpPr>
+          <p:nvPr>
+            <p:ph type="title"/>
+          </p:nvPr>
+        </p:nvSpPr>
+        <p:spPr/>
+        <p:txBody>
+          <a:bodyPr>
+            <a:normAutofit fontScale="90000"/>
+          </a:bodyPr>
+          <a:lstStyle/>
+          <a:p>
+            <a:r>
+              <a:rPr lang="en-US" dirty="0" smtClean="0"/>
+              <a:t>Cassandra Write Model </a:t>
+            </a:r>
+            <a:br>
+              <a:rPr lang="en-US" dirty="0" smtClean="0"/>
+            </a:br>
+            <a:r>
+              <a:rPr lang="en-US" sz="3100" dirty="0" smtClean="0"/>
+              <a:t>Single </a:t>
+            </a:r>
+            <a:r>
+              <a:rPr lang="en-US" sz="3100" dirty="0" err="1" smtClean="0"/>
+              <a:t>Datacentre</a:t>
+            </a:r>
+            <a:endParaRPr lang="en-US" dirty="0"/>
+          </a:p>
+        </p:txBody>
+      </p:sp>
+      <p:pic>
+        <p:nvPicPr>
+          <p:cNvPr id="4" name="Picture 3"/>
+          <p:cNvPicPr>
+            <a:picLocks noChangeAspect="1"/>
+          </p:cNvPicPr>
+          <p:nvPr/>
+        </p:nvPicPr>
+        <p:blipFill>
+          <a:blip r:embed="rId2"/>
+          <a:stretch>
+            <a:fillRect/>
+          </a:stretch>
+        </p:blipFill>
+        <p:spPr>
+          <a:xfrm>
+            <a:off x="0" y="1546058"/>
+            <a:ext cx="9144000" cy="5009622"/>
+          </a:xfrm>
+          <a:prstGeom prst="rect">
+            <a:avLst/>
+          </a:prstGeom>
+        </p:spPr>
+      </p:pic>
+      <p:sp>
+        <p:nvSpPr>
+          <p:cNvPr id="5" name="TextBox 4"/>
+          <p:cNvSpPr txBox="1"/>
+          <p:nvPr/>
+        </p:nvSpPr>
+        <p:spPr>
+          <a:xfrm>
+            <a:off x="6772144" y="6450382"/>
+            <a:ext cx="1556836" cy="369332"/>
+          </a:xfrm>
+          <a:prstGeom prst="rect">
+            <a:avLst/>
+          </a:prstGeom>
+          <a:noFill/>
+        </p:spPr>
+        <p:txBody>
+          <a:bodyPr wrap="none" rtlCol="0">
+            <a:spAutoFit/>
+          </a:bodyPr>
+          <a:lstStyle/>
+          <a:p>
+            <a:r>
+              <a:rPr lang="en-US" dirty="0" smtClean="0"/>
+              <a:t>Source: Netflix</a:t>
+            </a:r>
+            <a:endParaRPr lang="en-US" dirty="0"/>
+          </a:p>
+        </p:txBody>
+      </p:sp>
+    </p:spTree>
+    <p:extLst>
+      <p:ext uri="{BB962C8B-B14F-4D97-AF65-F5344CB8AC3E}">
+        <p14:creationId xmlns:p14="http://schemas.microsoft.com/office/powerpoint/2010/main" val="1829319122"/>
+      </p:ext>
+    </p:extLst>
+  </p:cSld>
+  <p:clrMapOvr>
+    <a:masterClrMapping/>
+  </p:clrMapOvr>
+</p:sld>
+</file>
+
+<file path=ppt/slides/slide27.xml><?xml version="1.0" encoding="utf-8"?>
+<p:sld xmlns:a="http://schemas.openxmlformats.org/drawingml/2006/main" xmlns:r="http://schemas.openxmlformats.org/officeDocument/2006/relationships" xmlns:p="http://schemas.openxmlformats.org/presentationml/2006/main">
+  <p:cSld>
+    <p:spTree>
+      <p:nvGrpSpPr>
+        <p:cNvPr id="1" name=""/>
+        <p:cNvGrpSpPr/>
+        <p:nvPr/>
+      </p:nvGrpSpPr>
+      <p:grpSpPr>
+        <a:xfrm>
+          <a:off x="0" y="0"/>
+          <a:ext cx="0" cy="0"/>
+          <a:chOff x="0" y="0"/>
+          <a:chExt cx="0" cy="0"/>
+        </a:xfrm>
+      </p:grpSpPr>
+      <p:sp>
+        <p:nvSpPr>
+          <p:cNvPr id="2" name="Title 1"/>
+          <p:cNvSpPr>
+            <a:spLocks noGrp="1"/>
+          </p:cNvSpPr>
+          <p:nvPr>
+            <p:ph type="title"/>
+          </p:nvPr>
+        </p:nvSpPr>
+        <p:spPr/>
+        <p:txBody>
+          <a:bodyPr/>
+          <a:lstStyle/>
+          <a:p>
+            <a:r>
+              <a:rPr lang="en-US" dirty="0" smtClean="0"/>
+              <a:t>Multi </a:t>
+            </a:r>
+            <a:r>
+              <a:rPr lang="en-US" dirty="0" err="1" smtClean="0"/>
+              <a:t>Datacentre</a:t>
+            </a:r>
+            <a:r>
+              <a:rPr lang="en-US" dirty="0" smtClean="0"/>
+              <a:t> Writes</a:t>
+            </a:r>
+            <a:endParaRPr lang="en-US" dirty="0"/>
+          </a:p>
+        </p:txBody>
+      </p:sp>
+      <p:pic>
+        <p:nvPicPr>
+          <p:cNvPr id="4" name="Picture 3"/>
+          <p:cNvPicPr>
+            <a:picLocks noChangeAspect="1"/>
+          </p:cNvPicPr>
+          <p:nvPr/>
+        </p:nvPicPr>
+        <p:blipFill>
+          <a:blip r:embed="rId2"/>
+          <a:stretch>
+            <a:fillRect/>
+          </a:stretch>
+        </p:blipFill>
+        <p:spPr>
+          <a:xfrm>
+            <a:off x="0" y="1261858"/>
+            <a:ext cx="9144000" cy="4624418"/>
+          </a:xfrm>
+          <a:prstGeom prst="rect">
+            <a:avLst/>
+          </a:prstGeom>
+        </p:spPr>
+      </p:pic>
+      <p:sp>
+        <p:nvSpPr>
+          <p:cNvPr id="5" name="TextBox 4"/>
+          <p:cNvSpPr txBox="1"/>
+          <p:nvPr/>
+        </p:nvSpPr>
+        <p:spPr>
+          <a:xfrm>
+            <a:off x="7328704" y="6450382"/>
+            <a:ext cx="1556836" cy="369332"/>
+          </a:xfrm>
+          <a:prstGeom prst="rect">
+            <a:avLst/>
+          </a:prstGeom>
+          <a:noFill/>
+        </p:spPr>
+        <p:txBody>
+          <a:bodyPr wrap="none" rtlCol="0">
+            <a:spAutoFit/>
+          </a:bodyPr>
+          <a:lstStyle/>
+          <a:p>
+            <a:r>
+              <a:rPr lang="en-US" dirty="0" smtClean="0"/>
+              <a:t>Source: Netflix</a:t>
+            </a:r>
+            <a:endParaRPr lang="en-US" dirty="0"/>
+          </a:p>
+        </p:txBody>
+      </p:sp>
+    </p:spTree>
+    <p:extLst>
+      <p:ext uri="{BB962C8B-B14F-4D97-AF65-F5344CB8AC3E}">
+        <p14:creationId xmlns:p14="http://schemas.microsoft.com/office/powerpoint/2010/main" val="396605851"/>
+      </p:ext>
+    </p:extLst>
+  </p:cSld>
+  <p:clrMapOvr>
+    <a:masterClrMapping/>
+  </p:clrMapOvr>
+</p:sld>
+</file>
+
+<file path=ppt/slides/slide28.xml><?xml version="1.0" encoding="utf-8"?>
+<p:sld xmlns:a="http://schemas.openxmlformats.org/drawingml/2006/main" xmlns:r="http://schemas.openxmlformats.org/officeDocument/2006/relationships" xmlns:p="http://schemas.openxmlformats.org/presentationml/2006/main">
+  <p:cSld>
+    <p:spTree>
+      <p:nvGrpSpPr>
+        <p:cNvPr id="1" name=""/>
+        <p:cNvGrpSpPr/>
+        <p:nvPr/>
+      </p:nvGrpSpPr>
+      <p:grpSpPr>
+        <a:xfrm>
+          <a:off x="0" y="0"/>
+          <a:ext cx="0" cy="0"/>
+          <a:chOff x="0" y="0"/>
+          <a:chExt cx="0" cy="0"/>
+        </a:xfrm>
+      </p:grpSpPr>
+      <p:sp>
+        <p:nvSpPr>
+          <p:cNvPr id="2" name="Title 1"/>
+          <p:cNvSpPr>
+            <a:spLocks noGrp="1"/>
+          </p:cNvSpPr>
+          <p:nvPr>
+            <p:ph type="title"/>
+          </p:nvPr>
+        </p:nvSpPr>
+        <p:spPr/>
+        <p:txBody>
+          <a:bodyPr>
+            <a:normAutofit fontScale="90000"/>
+          </a:bodyPr>
+          <a:lstStyle/>
+          <a:p>
+            <a:r>
+              <a:rPr lang="en-US" dirty="0" smtClean="0"/>
+              <a:t>Cassandra Scale Up </a:t>
+            </a:r>
+            <a:br>
+              <a:rPr lang="en-US" dirty="0" smtClean="0"/>
+            </a:br>
+            <a:r>
+              <a:rPr lang="en-US" sz="2700" dirty="0" smtClean="0"/>
+              <a:t>In Amazon EC2</a:t>
+            </a:r>
+            <a:endParaRPr lang="en-US" dirty="0"/>
+          </a:p>
+        </p:txBody>
+      </p:sp>
+      <p:pic>
+        <p:nvPicPr>
+          <p:cNvPr id="4" name="Picture 3"/>
+          <p:cNvPicPr>
+            <a:picLocks noChangeAspect="1"/>
+          </p:cNvPicPr>
+          <p:nvPr/>
+        </p:nvPicPr>
+        <p:blipFill>
+          <a:blip r:embed="rId2"/>
+          <a:stretch>
+            <a:fillRect/>
+          </a:stretch>
+        </p:blipFill>
+        <p:spPr>
+          <a:xfrm>
+            <a:off x="0" y="1417638"/>
+            <a:ext cx="9144000" cy="5231699"/>
+          </a:xfrm>
+          <a:prstGeom prst="rect">
+            <a:avLst/>
+          </a:prstGeom>
+        </p:spPr>
+      </p:pic>
+      <p:sp>
+        <p:nvSpPr>
+          <p:cNvPr id="5" name="TextBox 4"/>
+          <p:cNvSpPr txBox="1"/>
+          <p:nvPr/>
+        </p:nvSpPr>
+        <p:spPr>
+          <a:xfrm>
+            <a:off x="7129964" y="6470671"/>
+            <a:ext cx="1556836" cy="369332"/>
+          </a:xfrm>
+          <a:prstGeom prst="rect">
+            <a:avLst/>
+          </a:prstGeom>
+          <a:noFill/>
+        </p:spPr>
+        <p:txBody>
+          <a:bodyPr wrap="none" rtlCol="0">
+            <a:spAutoFit/>
+          </a:bodyPr>
+          <a:lstStyle/>
+          <a:p>
+            <a:r>
+              <a:rPr lang="en-US" dirty="0" smtClean="0"/>
+              <a:t>Source: Netflix</a:t>
+            </a:r>
+            <a:endParaRPr lang="en-US" dirty="0"/>
+          </a:p>
+        </p:txBody>
+      </p:sp>
+    </p:spTree>
+    <p:extLst>
+      <p:ext uri="{BB962C8B-B14F-4D97-AF65-F5344CB8AC3E}">
+        <p14:creationId xmlns:p14="http://schemas.microsoft.com/office/powerpoint/2010/main" val="4266096946"/>
+      </p:ext>
+    </p:extLst>
+  </p:cSld>
+  <p:clrMapOvr>
+    <a:masterClrMapping/>
+  </p:clrMapOvr>
+</p:sld>
+</file>
+
+<file path=ppt/slides/slide29.xml><?xml version="1.0" encoding="utf-8"?>
+<p:sld xmlns:a="http://schemas.openxmlformats.org/drawingml/2006/main" xmlns:r="http://schemas.openxmlformats.org/officeDocument/2006/relationships" xmlns:p="http://schemas.openxmlformats.org/presentationml/2006/main">
+  <p:cSld>
+    <p:spTree>
+      <p:nvGrpSpPr>
+        <p:cNvPr id="1" name=""/>
+        <p:cNvGrpSpPr/>
+        <p:nvPr/>
+      </p:nvGrpSpPr>
+      <p:grpSpPr>
+        <a:xfrm>
+          <a:off x="0" y="0"/>
+          <a:ext cx="0" cy="0"/>
+          <a:chOff x="0" y="0"/>
+          <a:chExt cx="0" cy="0"/>
+        </a:xfrm>
+      </p:grpSpPr>
+      <p:sp>
+        <p:nvSpPr>
+          <p:cNvPr id="2" name="Title 1"/>
+          <p:cNvSpPr>
+            <a:spLocks noGrp="1"/>
+          </p:cNvSpPr>
+          <p:nvPr>
+            <p:ph type="title"/>
+          </p:nvPr>
+        </p:nvSpPr>
+        <p:spPr/>
+        <p:txBody>
+          <a:bodyPr/>
+          <a:lstStyle/>
+          <a:p>
+            <a:r>
+              <a:rPr lang="en-US" dirty="0" smtClean="0"/>
+              <a:t>The numbers</a:t>
+            </a:r>
+            <a:endParaRPr lang="en-US" dirty="0"/>
+          </a:p>
+        </p:txBody>
+      </p:sp>
+      <p:pic>
+        <p:nvPicPr>
+          <p:cNvPr id="4" name="Picture 3"/>
+          <p:cNvPicPr>
+            <a:picLocks noChangeAspect="1"/>
+          </p:cNvPicPr>
+          <p:nvPr/>
+        </p:nvPicPr>
+        <p:blipFill>
+          <a:blip r:embed="rId2"/>
+          <a:stretch>
+            <a:fillRect/>
+          </a:stretch>
+        </p:blipFill>
+        <p:spPr>
+          <a:xfrm>
+            <a:off x="0" y="1676400"/>
+            <a:ext cx="9144000" cy="3481754"/>
+          </a:xfrm>
+          <a:prstGeom prst="rect">
+            <a:avLst/>
+          </a:prstGeom>
+        </p:spPr>
+      </p:pic>
+      <p:sp>
+        <p:nvSpPr>
+          <p:cNvPr id="5" name="TextBox 4"/>
+          <p:cNvSpPr txBox="1"/>
+          <p:nvPr/>
+        </p:nvSpPr>
+        <p:spPr>
+          <a:xfrm>
+            <a:off x="7282364" y="6523188"/>
+            <a:ext cx="1556836" cy="369332"/>
+          </a:xfrm>
+          <a:prstGeom prst="rect">
+            <a:avLst/>
+          </a:prstGeom>
+          <a:noFill/>
+        </p:spPr>
+        <p:txBody>
+          <a:bodyPr wrap="none" rtlCol="0">
+            <a:spAutoFit/>
+          </a:bodyPr>
+          <a:lstStyle/>
+          <a:p>
+            <a:r>
+              <a:rPr lang="en-US" dirty="0" smtClean="0"/>
+              <a:t>Source: Netflix</a:t>
+            </a:r>
+            <a:endParaRPr lang="en-US" dirty="0"/>
+          </a:p>
+        </p:txBody>
+      </p:sp>
+    </p:spTree>
+    <p:extLst>
+      <p:ext uri="{BB962C8B-B14F-4D97-AF65-F5344CB8AC3E}">
+        <p14:creationId xmlns:p14="http://schemas.microsoft.com/office/powerpoint/2010/main" val="943575494"/>
       </p:ext>
     </p:extLst>
   </p:cSld>
@@ -4182,7 +6642,19 @@
           <a:bodyPr/>
           <a:lstStyle/>
           <a:p>
-            <a:endParaRPr lang="en-US"/>
+            <a:r>
+              <a:rPr lang="en-US" dirty="0" smtClean="0"/>
+              <a:t>Why </a:t>
+            </a:r>
+            <a:r>
+              <a:rPr lang="en-US" dirty="0" err="1" smtClean="0"/>
+              <a:t>NoSQL</a:t>
+            </a:r>
+            <a:r>
+              <a:rPr lang="en-US" dirty="0" smtClean="0"/>
+              <a:t>?</a:t>
+            </a:r>
+            <a:endParaRPr lang="en-US" dirty="0"/>
           </a:p>
         </p:txBody>
       </p:sp>
@@ -4198,10 +6670,59 @@
         </p:nvSpPr>
         <p:spPr/>
         <p:txBody>
-          <a:bodyPr/>
-          <a:lstStyle/>
-          <a:p>
-            <a:endParaRPr lang="en-US"/>
+          <a:bodyPr>
+            <a:normAutofit fontScale="92500"/>
+          </a:bodyPr>
+          <a:lstStyle/>
+          <a:p>
+            <a:r>
+              <a:rPr lang="en-US" dirty="0" smtClean="0"/>
+              <a:t>Availability</a:t>
+            </a:r>
+          </a:p>
+          <a:p>
+            <a:pPr lvl="1"/>
+            <a:r>
+              <a:rPr lang="en-US" dirty="0" smtClean="0"/>
+              <a:t>Need better scaling capabilities</a:t>
+            </a:r>
+          </a:p>
+          <a:p>
+            <a:pPr lvl="1"/>
+            <a:r>
+              <a:rPr lang="en-US" dirty="0" smtClean="0"/>
+              <a:t>Elasticity</a:t>
+            </a:r>
+          </a:p>
+          <a:p>
+            <a:r>
+              <a:rPr lang="en-US" dirty="0" smtClean="0"/>
+              <a:t>Different schema approaches</a:t>
+            </a:r>
+          </a:p>
+          <a:p>
+            <a:pPr lvl="1"/>
+            <a:r>
+              <a:rPr lang="en-US" dirty="0" smtClean="0"/>
+              <a:t>Graphs, Key Values, Document, Sparse Columns, </a:t>
+            </a:r>
+            <a:r>
+              <a:rPr lang="en-US" dirty="0" err="1" smtClean="0"/>
+              <a:t>etc</a:t>
+            </a:r>
+            <a:endParaRPr lang="en-US" dirty="0" smtClean="0"/>
+          </a:p>
+          <a:p>
+            <a:r>
+              <a:rPr lang="en-US" dirty="0" smtClean="0"/>
+              <a:t>More appropriate balance in read/write performance</a:t>
+            </a:r>
+          </a:p>
+          <a:p>
+            <a:r>
+              <a:rPr lang="en-US" dirty="0" smtClean="0"/>
+              <a:t>Better integration with REST/SOA/Cloud</a:t>
+            </a:r>
           </a:p>
         </p:txBody>
       </p:sp>
@@ -4209,6 +6730,420 @@
     <p:extLst>
       <p:ext uri="{BB962C8B-B14F-4D97-AF65-F5344CB8AC3E}">
         <p14:creationId xmlns:p14="http://schemas.microsoft.com/office/powerpoint/2010/main" val="91718972"/>
+      </p:ext>
+    </p:extLst>
+  </p:cSld>
+  <p:clrMapOvr>
+    <a:masterClrMapping/>
+  </p:clrMapOvr>
+</p:sld>
+</file>
+
+<file path=ppt/slides/slide30.xml><?xml version="1.0" encoding="utf-8"?>
+<p:sld xmlns:a="http://schemas.openxmlformats.org/drawingml/2006/main" xmlns:r="http://schemas.openxmlformats.org/officeDocument/2006/relationships" xmlns:p="http://schemas.openxmlformats.org/presentationml/2006/main">
+  <p:cSld>
+    <p:spTree>
+      <p:nvGrpSpPr>
+        <p:cNvPr id="1" name=""/>
+        <p:cNvGrpSpPr/>
+        <p:nvPr/>
+      </p:nvGrpSpPr>
+      <p:grpSpPr>
+        <a:xfrm>
+          <a:off x="0" y="0"/>
+          <a:ext cx="0" cy="0"/>
+          <a:chOff x="0" y="0"/>
+          <a:chExt cx="0" cy="0"/>
+        </a:xfrm>
+      </p:grpSpPr>
+      <p:sp>
+        <p:nvSpPr>
+          <p:cNvPr id="2" name="Title 1"/>
+          <p:cNvSpPr>
+            <a:spLocks noGrp="1"/>
+          </p:cNvSpPr>
+          <p:nvPr>
+            <p:ph type="title"/>
+          </p:nvPr>
+        </p:nvSpPr>
+        <p:spPr/>
+        <p:txBody>
+          <a:bodyPr/>
+          <a:lstStyle/>
+          <a:p>
+            <a:r>
+              <a:rPr lang="en-US" dirty="0" smtClean="0"/>
+              <a:t>Cassandra Model</a:t>
+            </a:r>
+            <a:endParaRPr lang="en-US" dirty="0"/>
+          </a:p>
+        </p:txBody>
+      </p:sp>
+      <p:sp>
+        <p:nvSpPr>
+          <p:cNvPr id="3" name="Content Placeholder 2"/>
+          <p:cNvSpPr>
+            <a:spLocks noGrp="1"/>
+          </p:cNvSpPr>
+          <p:nvPr>
+            <p:ph idx="1"/>
+          </p:nvPr>
+        </p:nvSpPr>
+        <p:spPr/>
+        <p:txBody>
+          <a:bodyPr>
+            <a:normAutofit lnSpcReduction="10000"/>
+          </a:bodyPr>
+          <a:lstStyle/>
+          <a:p>
+            <a:r>
+              <a:rPr lang="en-US" b="1" dirty="0" err="1" smtClean="0"/>
+              <a:t>Keyspaces</a:t>
+            </a:r>
+            <a:r>
+              <a:rPr lang="en-US" dirty="0" smtClean="0"/>
+              <a:t> are roughly equivalent to SQL Databases</a:t>
+            </a:r>
+          </a:p>
+          <a:p>
+            <a:pPr lvl="1"/>
+            <a:r>
+              <a:rPr lang="en-US" dirty="0" smtClean="0"/>
+              <a:t>Encapsulate replication strategies</a:t>
+            </a:r>
+          </a:p>
+          <a:p>
+            <a:r>
+              <a:rPr lang="en-US" b="1" dirty="0" smtClean="0"/>
+              <a:t>Column Families</a:t>
+            </a:r>
+            <a:r>
+              <a:rPr lang="en-US" dirty="0" smtClean="0"/>
+              <a:t> roughly equivalent to SQL tables</a:t>
+            </a:r>
+          </a:p>
+          <a:p>
+            <a:r>
+              <a:rPr lang="en-US" dirty="0" smtClean="0"/>
+              <a:t>Generally a different approach </a:t>
+            </a:r>
+            <a:r>
+              <a:rPr lang="en-US" dirty="0" err="1" smtClean="0"/>
+              <a:t>vs</a:t>
+            </a:r>
+            <a:r>
+              <a:rPr lang="en-US" dirty="0" smtClean="0"/>
+              <a:t> SQL</a:t>
+            </a:r>
+          </a:p>
+          <a:p>
+            <a:pPr lvl="1"/>
+            <a:r>
+              <a:rPr lang="en-US" dirty="0" smtClean="0"/>
+              <a:t>Writes are cheap</a:t>
+            </a:r>
+          </a:p>
+          <a:p>
+            <a:pPr lvl="1"/>
+            <a:r>
+              <a:rPr lang="en-US" dirty="0" smtClean="0"/>
+              <a:t>Indexes are expensive</a:t>
+            </a:r>
+          </a:p>
+          <a:p>
+            <a:pPr lvl="1"/>
+            <a:r>
+              <a:rPr lang="en-US" dirty="0"/>
+              <a:t>Normalization is not the </a:t>
+            </a:r>
+            <a:r>
+              <a:rPr lang="en-US" dirty="0" smtClean="0"/>
+              <a:t>goal</a:t>
+            </a:r>
+            <a:endParaRPr lang="en-US" dirty="0"/>
+          </a:p>
+        </p:txBody>
+      </p:sp>
+    </p:spTree>
+    <p:extLst>
+      <p:ext uri="{BB962C8B-B14F-4D97-AF65-F5344CB8AC3E}">
+        <p14:creationId xmlns:p14="http://schemas.microsoft.com/office/powerpoint/2010/main" val="4149025764"/>
+      </p:ext>
+    </p:extLst>
+  </p:cSld>
+  <p:clrMapOvr>
+    <a:masterClrMapping/>
+  </p:clrMapOvr>
+</p:sld>
+</file>
+
+<file path=ppt/slides/slide31.xml><?xml version="1.0" encoding="utf-8"?>
+<p:sld xmlns:a="http://schemas.openxmlformats.org/drawingml/2006/main" xmlns:r="http://schemas.openxmlformats.org/officeDocument/2006/relationships" xmlns:p="http://schemas.openxmlformats.org/presentationml/2006/main">
+  <p:cSld>
+    <p:spTree>
+      <p:nvGrpSpPr>
+        <p:cNvPr id="1" name=""/>
+        <p:cNvGrpSpPr/>
+        <p:nvPr/>
+      </p:nvGrpSpPr>
+      <p:grpSpPr>
+        <a:xfrm>
+          <a:off x="0" y="0"/>
+          <a:ext cx="0" cy="0"/>
+          <a:chOff x="0" y="0"/>
+          <a:chExt cx="0" cy="0"/>
+        </a:xfrm>
+      </p:grpSpPr>
+      <p:sp>
+        <p:nvSpPr>
+          <p:cNvPr id="2" name="Title 1"/>
+          <p:cNvSpPr>
+            <a:spLocks noGrp="1"/>
+          </p:cNvSpPr>
+          <p:nvPr>
+            <p:ph type="title"/>
+          </p:nvPr>
+        </p:nvSpPr>
+        <p:spPr/>
+        <p:txBody>
+          <a:bodyPr/>
+          <a:lstStyle/>
+          <a:p>
+            <a:r>
+              <a:rPr lang="en-US" dirty="0" smtClean="0"/>
+              <a:t>Cassandra Model cont.</a:t>
+            </a:r>
+            <a:endParaRPr lang="en-US" dirty="0"/>
+          </a:p>
+        </p:txBody>
+      </p:sp>
+      <p:sp>
+        <p:nvSpPr>
+          <p:cNvPr id="3" name="Content Placeholder 2"/>
+          <p:cNvSpPr>
+            <a:spLocks noGrp="1"/>
+          </p:cNvSpPr>
+          <p:nvPr>
+            <p:ph idx="1"/>
+          </p:nvPr>
+        </p:nvSpPr>
+        <p:spPr/>
+        <p:txBody>
+          <a:bodyPr>
+            <a:normAutofit fontScale="92500" lnSpcReduction="10000"/>
+          </a:bodyPr>
+          <a:lstStyle/>
+          <a:p>
+            <a:r>
+              <a:rPr lang="en-US" dirty="0"/>
+              <a:t>Inserts are the same as updates</a:t>
+            </a:r>
+          </a:p>
+          <a:p>
+            <a:pPr lvl="1"/>
+            <a:r>
+              <a:rPr lang="en-US" dirty="0"/>
+              <a:t>No read first</a:t>
+            </a:r>
+          </a:p>
+          <a:p>
+            <a:r>
+              <a:rPr lang="en-US" dirty="0"/>
+              <a:t>Data can be marked with a Time to Live (TTL)</a:t>
+            </a:r>
+          </a:p>
+          <a:p>
+            <a:pPr lvl="1"/>
+            <a:r>
+              <a:rPr lang="en-US" dirty="0"/>
+              <a:t>Automatically deleted</a:t>
+            </a:r>
+          </a:p>
+          <a:p>
+            <a:r>
+              <a:rPr lang="en-US" dirty="0"/>
+              <a:t>Deletes are not instant</a:t>
+            </a:r>
+          </a:p>
+          <a:p>
+            <a:pPr lvl="1"/>
+            <a:r>
+              <a:rPr lang="en-US" dirty="0"/>
+              <a:t>Deleted rows are marked with a </a:t>
+            </a:r>
+            <a:r>
+              <a:rPr lang="en-US" dirty="0" smtClean="0"/>
+              <a:t>tombstone</a:t>
+            </a:r>
+          </a:p>
+          <a:p>
+            <a:pPr lvl="1"/>
+            <a:r>
+              <a:rPr lang="en-US" dirty="0" smtClean="0"/>
+              <a:t>Eventually cleaned up</a:t>
+            </a:r>
+          </a:p>
+          <a:p>
+            <a:pPr lvl="1"/>
+            <a:r>
+              <a:rPr lang="en-US" dirty="0" smtClean="0"/>
+              <a:t>Can re-appear if you do not run node repair after a node failure </a:t>
+            </a:r>
+            <a:endParaRPr lang="en-US" dirty="0"/>
+          </a:p>
+          <a:p>
+            <a:endParaRPr lang="en-US" dirty="0"/>
+          </a:p>
+        </p:txBody>
+      </p:sp>
+    </p:spTree>
+    <p:extLst>
+      <p:ext uri="{BB962C8B-B14F-4D97-AF65-F5344CB8AC3E}">
+        <p14:creationId xmlns:p14="http://schemas.microsoft.com/office/powerpoint/2010/main" val="1692142073"/>
+      </p:ext>
+    </p:extLst>
+  </p:cSld>
+  <p:clrMapOvr>
+    <a:masterClrMapping/>
+  </p:clrMapOvr>
+</p:sld>
+</file>
+
+<file path=ppt/slides/slide32.xml><?xml version="1.0" encoding="utf-8"?>
+<p:sld xmlns:a="http://schemas.openxmlformats.org/drawingml/2006/main" xmlns:r="http://schemas.openxmlformats.org/officeDocument/2006/relationships" xmlns:p="http://schemas.openxmlformats.org/presentationml/2006/main">
+  <p:cSld>
+    <p:spTree>
+      <p:nvGrpSpPr>
+        <p:cNvPr id="1" name=""/>
+        <p:cNvGrpSpPr/>
+        <p:nvPr/>
+      </p:nvGrpSpPr>
+      <p:grpSpPr>
+        <a:xfrm>
+          <a:off x="0" y="0"/>
+          <a:ext cx="0" cy="0"/>
+          <a:chOff x="0" y="0"/>
+          <a:chExt cx="0" cy="0"/>
+        </a:xfrm>
+      </p:grpSpPr>
+      <p:sp>
+        <p:nvSpPr>
+          <p:cNvPr id="2" name="Title 1"/>
+          <p:cNvSpPr>
+            <a:spLocks noGrp="1"/>
+          </p:cNvSpPr>
+          <p:nvPr>
+            <p:ph type="title"/>
+          </p:nvPr>
+        </p:nvSpPr>
+        <p:spPr/>
+        <p:txBody>
+          <a:bodyPr/>
+          <a:lstStyle/>
+          <a:p>
+            <a:r>
+              <a:rPr lang="en-US" dirty="0" smtClean="0"/>
+              <a:t>Partitions</a:t>
+            </a:r>
+            <a:endParaRPr lang="en-US" dirty="0"/>
+          </a:p>
+        </p:txBody>
+      </p:sp>
+      <p:sp>
+        <p:nvSpPr>
+          <p:cNvPr id="3" name="Content Placeholder 2"/>
+          <p:cNvSpPr>
+            <a:spLocks noGrp="1"/>
+          </p:cNvSpPr>
+          <p:nvPr>
+            <p:ph idx="1"/>
+          </p:nvPr>
+        </p:nvSpPr>
+        <p:spPr/>
+        <p:txBody>
+          <a:bodyPr/>
+          <a:lstStyle/>
+          <a:p>
+            <a:endParaRPr lang="en-US"/>
+          </a:p>
+        </p:txBody>
+      </p:sp>
+    </p:spTree>
+    <p:extLst>
+      <p:ext uri="{BB962C8B-B14F-4D97-AF65-F5344CB8AC3E}">
+        <p14:creationId xmlns:p14="http://schemas.microsoft.com/office/powerpoint/2010/main" val="845217799"/>
+      </p:ext>
+    </p:extLst>
+  </p:cSld>
+  <p:clrMapOvr>
+    <a:masterClrMapping/>
+  </p:clrMapOvr>
+</p:sld>
+</file>
+
+<file path=ppt/slides/slide33.xml><?xml version="1.0" encoding="utf-8"?>
+<p:sld xmlns:a="http://schemas.openxmlformats.org/drawingml/2006/main" xmlns:r="http://schemas.openxmlformats.org/officeDocument/2006/relationships" xmlns:p="http://schemas.openxmlformats.org/presentationml/2006/main">
+  <p:cSld>
+    <p:spTree>
+      <p:nvGrpSpPr>
+        <p:cNvPr id="1" name=""/>
+        <p:cNvGrpSpPr/>
+        <p:nvPr/>
+      </p:nvGrpSpPr>
+      <p:grpSpPr>
+        <a:xfrm>
+          <a:off x="0" y="0"/>
+          <a:ext cx="0" cy="0"/>
+          <a:chOff x="0" y="0"/>
+          <a:chExt cx="0" cy="0"/>
+        </a:xfrm>
+      </p:grpSpPr>
+      <p:sp>
+        <p:nvSpPr>
+          <p:cNvPr id="2" name="Title 1"/>
+          <p:cNvSpPr>
+            <a:spLocks noGrp="1"/>
+          </p:cNvSpPr>
+          <p:nvPr>
+            <p:ph type="title"/>
+          </p:nvPr>
+        </p:nvSpPr>
+        <p:spPr/>
+        <p:txBody>
+          <a:bodyPr/>
+          <a:lstStyle/>
+          <a:p>
+            <a:r>
+              <a:rPr lang="en-US" dirty="0" smtClean="0"/>
+              <a:t>CQL	</a:t>
+            </a:r>
+            <a:endParaRPr lang="en-US" dirty="0"/>
+          </a:p>
+        </p:txBody>
+      </p:sp>
+      <p:sp>
+        <p:nvSpPr>
+          <p:cNvPr id="3" name="Content Placeholder 2"/>
+          <p:cNvSpPr>
+            <a:spLocks noGrp="1"/>
+          </p:cNvSpPr>
+          <p:nvPr>
+            <p:ph idx="1"/>
+          </p:nvPr>
+        </p:nvSpPr>
+        <p:spPr/>
+        <p:txBody>
+          <a:bodyPr/>
+          <a:lstStyle/>
+          <a:p>
+            <a:endParaRPr lang="en-US" dirty="0"/>
+          </a:p>
+        </p:txBody>
+      </p:sp>
+    </p:spTree>
+    <p:extLst>
+      <p:ext uri="{BB962C8B-B14F-4D97-AF65-F5344CB8AC3E}">
+        <p14:creationId xmlns:p14="http://schemas.microsoft.com/office/powerpoint/2010/main" val="3784706942"/>
       </p:ext>
     </p:extLst>
   </p:cSld>
@@ -4250,7 +7185,15 @@
           <a:bodyPr/>
           <a:lstStyle/>
           <a:p>
-            <a:endParaRPr lang="en-US"/>
+            <a:r>
+              <a:rPr lang="en-US" dirty="0" err="1" smtClean="0"/>
+              <a:t>NoSQL</a:t>
+            </a:r>
+            <a:r>
+              <a:rPr lang="en-US" dirty="0" smtClean="0"/>
+              <a:t> history</a:t>
+            </a:r>
+            <a:endParaRPr lang="en-US" dirty="0"/>
           </a:p>
         </p:txBody>
       </p:sp>
@@ -4269,14 +7212,70 @@
           <a:bodyPr/>
           <a:lstStyle/>
           <a:p>
-            <a:endParaRPr lang="en-US"/>
+            <a:r>
+              <a:rPr lang="en-US" dirty="0" smtClean="0"/>
+              <a:t>Not just a recent thing </a:t>
+            </a:r>
+            <a:r>
+              <a:rPr lang="en-US" dirty="0" smtClean="0">
+                <a:sym typeface="Wingdings"/>
+              </a:rPr>
+              <a:t></a:t>
+            </a:r>
+          </a:p>
+          <a:p>
+            <a:r>
+              <a:rPr lang="en-US" dirty="0" smtClean="0">
+                <a:sym typeface="Wingdings"/>
+              </a:rPr>
+              <a:t>IBM IMS (Information Management System)</a:t>
+            </a:r>
+          </a:p>
+          <a:p>
+            <a:pPr lvl="1"/>
+            <a:r>
+              <a:rPr lang="en-US" dirty="0" smtClean="0">
+                <a:sym typeface="Wingdings"/>
+              </a:rPr>
+              <a:t>Launched in 1968 </a:t>
+            </a:r>
+          </a:p>
+          <a:p>
+            <a:pPr lvl="1"/>
+            <a:r>
+              <a:rPr lang="en-US" dirty="0" smtClean="0">
+                <a:sym typeface="Wingdings"/>
+              </a:rPr>
+              <a:t>Used to store the bill of materials for the Saturn V rocket</a:t>
+            </a:r>
+          </a:p>
+          <a:p>
+            <a:pPr lvl="1"/>
+            <a:r>
+              <a:rPr lang="en-US" dirty="0" smtClean="0">
+                <a:sym typeface="Wingdings"/>
+              </a:rPr>
+              <a:t>Hierarchical model </a:t>
+            </a:r>
+          </a:p>
+          <a:p>
+            <a:r>
+              <a:rPr lang="en-US" dirty="0" smtClean="0">
+                <a:sym typeface="Wingdings"/>
+              </a:rPr>
+              <a:t>Still in widespread use today</a:t>
+            </a:r>
+          </a:p>
+          <a:p>
+            <a:pPr lvl="1"/>
+            <a:endParaRPr lang="en-US" dirty="0"/>
           </a:p>
         </p:txBody>
       </p:sp>
     </p:spTree>
     <p:extLst>
       <p:ext uri="{BB962C8B-B14F-4D97-AF65-F5344CB8AC3E}">
-        <p14:creationId xmlns:p14="http://schemas.microsoft.com/office/powerpoint/2010/main" val="2116658494"/>
+        <p14:creationId xmlns:p14="http://schemas.microsoft.com/office/powerpoint/2010/main" val="946987067"/>
       </p:ext>
     </p:extLst>
   </p:cSld>
@@ -4318,13 +7317,17 @@
           <a:bodyPr/>
           <a:lstStyle/>
           <a:p>
-            <a:endParaRPr lang="en-US"/>
-          </a:p>
-        </p:txBody>
-      </p:sp>
-      <p:sp>
-        <p:nvSpPr>
-          <p:cNvPr id="3" name="Content Placeholder 2"/>
+            <a:r>
+              <a:rPr lang="en-US" dirty="0" err="1" smtClean="0"/>
+              <a:t>ReCAP</a:t>
+            </a:r>
+            <a:endParaRPr lang="en-US" dirty="0"/>
+          </a:p>
+        </p:txBody>
+      </p:sp>
+      <p:sp>
+        <p:nvSpPr>
+          <p:cNvPr id="7" name="Content Placeholder 6"/>
           <p:cNvSpPr>
             <a:spLocks noGrp="1"/>
           </p:cNvSpPr>
@@ -4337,14 +7340,596 @@
           <a:bodyPr/>
           <a:lstStyle/>
           <a:p>
-            <a:endParaRPr lang="en-US"/>
+            <a:r>
+              <a:rPr lang="en-US" dirty="0" smtClean="0"/>
+              <a:t>You can have 2 out of three:</a:t>
+            </a:r>
+          </a:p>
+          <a:p>
+            <a:pPr lvl="1"/>
+            <a:r>
+              <a:rPr lang="en-US" dirty="0" smtClean="0"/>
+              <a:t>Consistent</a:t>
+            </a:r>
+          </a:p>
+          <a:p>
+            <a:pPr lvl="2"/>
+            <a:r>
+              <a:rPr lang="en-US" dirty="0" smtClean="0"/>
+              <a:t>ACID</a:t>
+            </a:r>
+          </a:p>
+          <a:p>
+            <a:pPr lvl="1"/>
+            <a:r>
+              <a:rPr lang="en-US" dirty="0" smtClean="0"/>
+              <a:t>Available </a:t>
+            </a:r>
+          </a:p>
+          <a:p>
+            <a:pPr lvl="2"/>
+            <a:r>
+              <a:rPr lang="en-US" dirty="0" smtClean="0"/>
+              <a:t>HA / Accessible 24x7</a:t>
+            </a:r>
+          </a:p>
+          <a:p>
+            <a:pPr lvl="1"/>
+            <a:r>
+              <a:rPr lang="en-US" dirty="0" smtClean="0"/>
+              <a:t>Partitioned</a:t>
+            </a:r>
+          </a:p>
+          <a:p>
+            <a:pPr lvl="2"/>
+            <a:r>
+              <a:rPr lang="en-US" dirty="0" smtClean="0"/>
+              <a:t>Able to split into </a:t>
+            </a:r>
+            <a:br>
+              <a:rPr lang="en-US" dirty="0" smtClean="0"/>
+            </a:br>
+            <a:r>
+              <a:rPr lang="en-US" dirty="0" smtClean="0"/>
+              <a:t>different </a:t>
+            </a:r>
+            <a:r>
+              <a:rPr lang="en-US" dirty="0" err="1" smtClean="0"/>
+              <a:t>datacentres</a:t>
+            </a:r>
+            <a:endParaRPr lang="en-US" dirty="0" smtClean="0"/>
+          </a:p>
+          <a:p>
+            <a:pPr lvl="2"/>
+            <a:r>
+              <a:rPr lang="en-US" dirty="0" smtClean="0"/>
+              <a:t>Survive network down</a:t>
+            </a:r>
+          </a:p>
+        </p:txBody>
+      </p:sp>
+      <p:pic>
+        <p:nvPicPr>
+          <p:cNvPr id="4" name="Picture 3"/>
+          <p:cNvPicPr>
+            <a:picLocks noChangeAspect="1"/>
+          </p:cNvPicPr>
+          <p:nvPr/>
+        </p:nvPicPr>
+        <p:blipFill>
+          <a:blip r:embed="rId2"/>
+          <a:stretch>
+            <a:fillRect/>
+          </a:stretch>
+        </p:blipFill>
+        <p:spPr>
+          <a:xfrm>
+            <a:off x="5201793" y="2177253"/>
+            <a:ext cx="3726713" cy="3488203"/>
+          </a:xfrm>
+          <a:prstGeom prst="rect">
+            <a:avLst/>
+          </a:prstGeom>
+        </p:spPr>
+      </p:pic>
+      <p:sp>
+        <p:nvSpPr>
+          <p:cNvPr id="5" name="Rectangle 4"/>
+          <p:cNvSpPr/>
+          <p:nvPr/>
+        </p:nvSpPr>
+        <p:spPr>
+          <a:xfrm>
+            <a:off x="2510088" y="6488668"/>
+            <a:ext cx="6728916" cy="369332"/>
+          </a:xfrm>
+          <a:prstGeom prst="rect">
+            <a:avLst/>
+          </a:prstGeom>
+        </p:spPr>
+        <p:txBody>
+          <a:bodyPr wrap="square">
+            <a:spAutoFit/>
+          </a:bodyPr>
+          <a:lstStyle/>
+          <a:p>
+            <a:r>
+              <a:rPr lang="en-US" dirty="0">
+                <a:hlinkClick r:id="rId3"/>
+              </a:rPr>
+              <a:t>http://blog.mccrory.me/2010/11/03/cap-theorem-and-the-clouds</a:t>
+            </a:r>
+            <a:r>
+              <a:rPr lang="en-US" dirty="0" smtClean="0">
+                <a:hlinkClick r:id="rId3"/>
+              </a:rPr>
+              <a:t>/</a:t>
+            </a:r>
+            <a:r>
+              <a:rPr lang="en-US" dirty="0" smtClean="0"/>
+              <a:t> </a:t>
+            </a:r>
+            <a:endParaRPr lang="en-US" dirty="0"/>
           </a:p>
         </p:txBody>
       </p:sp>
     </p:spTree>
     <p:extLst>
       <p:ext uri="{BB962C8B-B14F-4D97-AF65-F5344CB8AC3E}">
-        <p14:creationId xmlns:p14="http://schemas.microsoft.com/office/powerpoint/2010/main" val="1801667116"/>
+        <p14:creationId xmlns:p14="http://schemas.microsoft.com/office/powerpoint/2010/main" val="2141769030"/>
+      </p:ext>
+    </p:extLst>
+  </p:cSld>
+  <p:clrMapOvr>
+    <a:masterClrMapping/>
+  </p:clrMapOvr>
+</p:sld>
+</file>
+
+<file path=ppt/slides/slide6.xml><?xml version="1.0" encoding="utf-8"?>
+<p:sld xmlns:a="http://schemas.openxmlformats.org/drawingml/2006/main" xmlns:r="http://schemas.openxmlformats.org/officeDocument/2006/relationships" xmlns:p="http://schemas.openxmlformats.org/presentationml/2006/main">
+  <p:cSld>
+    <p:spTree>
+      <p:nvGrpSpPr>
+        <p:cNvPr id="1" name=""/>
+        <p:cNvGrpSpPr/>
+        <p:nvPr/>
+      </p:nvGrpSpPr>
+      <p:grpSpPr>
+        <a:xfrm>
+          <a:off x="0" y="0"/>
+          <a:ext cx="0" cy="0"/>
+          <a:chOff x="0" y="0"/>
+          <a:chExt cx="0" cy="0"/>
+        </a:xfrm>
+      </p:grpSpPr>
+      <p:sp>
+        <p:nvSpPr>
+          <p:cNvPr id="2" name="Title 1"/>
+          <p:cNvSpPr>
+            <a:spLocks noGrp="1"/>
+          </p:cNvSpPr>
+          <p:nvPr>
+            <p:ph type="title"/>
+          </p:nvPr>
+        </p:nvSpPr>
+        <p:spPr/>
+        <p:txBody>
+          <a:bodyPr/>
+          <a:lstStyle/>
+          <a:p>
+            <a:r>
+              <a:rPr lang="en-US" dirty="0" err="1" smtClean="0"/>
+              <a:t>NoSQL</a:t>
+            </a:r>
+            <a:r>
+              <a:rPr lang="en-US" dirty="0"/>
+              <a:t> </a:t>
+            </a:r>
+            <a:r>
+              <a:rPr lang="en-US" dirty="0" smtClean="0"/>
+              <a:t>parents</a:t>
+            </a:r>
+            <a:endParaRPr lang="en-US" dirty="0"/>
+          </a:p>
+        </p:txBody>
+      </p:sp>
+      <p:sp>
+        <p:nvSpPr>
+          <p:cNvPr id="3" name="Content Placeholder 2"/>
+          <p:cNvSpPr>
+            <a:spLocks noGrp="1"/>
+          </p:cNvSpPr>
+          <p:nvPr>
+            <p:ph idx="1"/>
+          </p:nvPr>
+        </p:nvSpPr>
+        <p:spPr/>
+        <p:txBody>
+          <a:bodyPr/>
+          <a:lstStyle/>
+          <a:p>
+            <a:r>
+              <a:rPr lang="en-US" dirty="0" smtClean="0"/>
+              <a:t>Amazon Dynamo </a:t>
+            </a:r>
+          </a:p>
+          <a:p>
+            <a:pPr lvl="1"/>
+            <a:r>
+              <a:rPr lang="en-US" dirty="0" smtClean="0"/>
+              <a:t>Eventually </a:t>
+            </a:r>
+            <a:r>
+              <a:rPr lang="en-US" dirty="0" err="1" smtClean="0"/>
+              <a:t>consisten</a:t>
+            </a:r>
+            <a:endParaRPr lang="en-US" dirty="0" smtClean="0"/>
+          </a:p>
+          <a:p>
+            <a:r>
+              <a:rPr lang="en-US" dirty="0" smtClean="0"/>
+              <a:t>Google </a:t>
+            </a:r>
+            <a:r>
+              <a:rPr lang="en-US" dirty="0" err="1" smtClean="0"/>
+              <a:t>BigTable</a:t>
+            </a:r>
+            <a:endParaRPr lang="en-US" dirty="0" smtClean="0"/>
+          </a:p>
+          <a:p>
+            <a:pPr lvl="1"/>
+            <a:r>
+              <a:rPr lang="en-US" dirty="0" smtClean="0"/>
+              <a:t>Supporting very large rows</a:t>
+            </a:r>
+          </a:p>
+          <a:p>
+            <a:r>
+              <a:rPr lang="en-US" dirty="0" smtClean="0"/>
+              <a:t>LDM </a:t>
+            </a:r>
+          </a:p>
+          <a:p>
+            <a:pPr lvl="1"/>
+            <a:r>
+              <a:rPr lang="en-US" dirty="0" smtClean="0"/>
+              <a:t>Graph database </a:t>
+            </a:r>
+          </a:p>
+          <a:p>
+            <a:pPr lvl="1"/>
+            <a:endParaRPr lang="en-US" dirty="0"/>
+          </a:p>
+        </p:txBody>
+      </p:sp>
+    </p:spTree>
+    <p:extLst>
+      <p:ext uri="{BB962C8B-B14F-4D97-AF65-F5344CB8AC3E}">
+        <p14:creationId xmlns:p14="http://schemas.microsoft.com/office/powerpoint/2010/main" val="1179322911"/>
+      </p:ext>
+    </p:extLst>
+  </p:cSld>
+  <p:clrMapOvr>
+    <a:masterClrMapping/>
+  </p:clrMapOvr>
+</p:sld>
+</file>
+
+<file path=ppt/slides/slide7.xml><?xml version="1.0" encoding="utf-8"?>
+<p:sld xmlns:a="http://schemas.openxmlformats.org/drawingml/2006/main" xmlns:r="http://schemas.openxmlformats.org/officeDocument/2006/relationships" xmlns:p="http://schemas.openxmlformats.org/presentationml/2006/main">
+  <p:cSld>
+    <p:spTree>
+      <p:nvGrpSpPr>
+        <p:cNvPr id="1" name=""/>
+        <p:cNvGrpSpPr/>
+        <p:nvPr/>
+      </p:nvGrpSpPr>
+      <p:grpSpPr>
+        <a:xfrm>
+          <a:off x="0" y="0"/>
+          <a:ext cx="0" cy="0"/>
+          <a:chOff x="0" y="0"/>
+          <a:chExt cx="0" cy="0"/>
+        </a:xfrm>
+      </p:grpSpPr>
+      <p:sp>
+        <p:nvSpPr>
+          <p:cNvPr id="2" name="Title 1"/>
+          <p:cNvSpPr>
+            <a:spLocks noGrp="1"/>
+          </p:cNvSpPr>
+          <p:nvPr>
+            <p:ph type="title"/>
+          </p:nvPr>
+        </p:nvSpPr>
+        <p:spPr/>
+        <p:txBody>
+          <a:bodyPr>
+            <a:normAutofit fontScale="90000"/>
+          </a:bodyPr>
+          <a:lstStyle/>
+          <a:p>
+            <a:r>
+              <a:rPr lang="en-US" dirty="0" smtClean="0"/>
+              <a:t>Dynamo</a:t>
+            </a:r>
+            <a:br>
+              <a:rPr lang="en-US" dirty="0" smtClean="0"/>
+            </a:br>
+            <a:endParaRPr lang="en-US" dirty="0"/>
+          </a:p>
+        </p:txBody>
+      </p:sp>
+      <p:pic>
+        <p:nvPicPr>
+          <p:cNvPr id="4" name="Picture 3"/>
+          <p:cNvPicPr>
+            <a:picLocks noChangeAspect="1"/>
+          </p:cNvPicPr>
+          <p:nvPr/>
+        </p:nvPicPr>
+        <p:blipFill>
+          <a:blip r:embed="rId2"/>
+          <a:stretch>
+            <a:fillRect/>
+          </a:stretch>
+        </p:blipFill>
+        <p:spPr>
+          <a:xfrm>
+            <a:off x="2590800" y="889000"/>
+            <a:ext cx="3949700" cy="5080000"/>
+          </a:xfrm>
+          <a:prstGeom prst="rect">
+            <a:avLst/>
+          </a:prstGeom>
+        </p:spPr>
+      </p:pic>
+    </p:spTree>
+    <p:extLst>
+      <p:ext uri="{BB962C8B-B14F-4D97-AF65-F5344CB8AC3E}">
+        <p14:creationId xmlns:p14="http://schemas.microsoft.com/office/powerpoint/2010/main" val="2061043659"/>
+      </p:ext>
+    </p:extLst>
+  </p:cSld>
+  <p:clrMapOvr>
+    <a:masterClrMapping/>
+  </p:clrMapOvr>
+</p:sld>
+</file>
+
+<file path=ppt/slides/slide8.xml><?xml version="1.0" encoding="utf-8"?>
+<p:sld xmlns:a="http://schemas.openxmlformats.org/drawingml/2006/main" xmlns:r="http://schemas.openxmlformats.org/officeDocument/2006/relationships" xmlns:p="http://schemas.openxmlformats.org/presentationml/2006/main">
+  <p:cSld>
+    <p:spTree>
+      <p:nvGrpSpPr>
+        <p:cNvPr id="1" name=""/>
+        <p:cNvGrpSpPr/>
+        <p:nvPr/>
+      </p:nvGrpSpPr>
+      <p:grpSpPr>
+        <a:xfrm>
+          <a:off x="0" y="0"/>
+          <a:ext cx="0" cy="0"/>
+          <a:chOff x="0" y="0"/>
+          <a:chExt cx="0" cy="0"/>
+        </a:xfrm>
+      </p:grpSpPr>
+      <p:sp>
+        <p:nvSpPr>
+          <p:cNvPr id="2" name="Title 1"/>
+          <p:cNvSpPr>
+            <a:spLocks noGrp="1"/>
+          </p:cNvSpPr>
+          <p:nvPr>
+            <p:ph type="title"/>
+          </p:nvPr>
+        </p:nvSpPr>
+        <p:spPr/>
+        <p:txBody>
+          <a:bodyPr/>
+          <a:lstStyle/>
+          <a:p>
+            <a:r>
+              <a:rPr lang="en-US" dirty="0" smtClean="0"/>
+              <a:t>Dynamo Model</a:t>
+            </a:r>
+            <a:endParaRPr lang="en-US" dirty="0"/>
+          </a:p>
+        </p:txBody>
+      </p:sp>
+      <p:sp>
+        <p:nvSpPr>
+          <p:cNvPr id="4" name="Rectangle 3"/>
+          <p:cNvSpPr/>
+          <p:nvPr/>
+        </p:nvSpPr>
+        <p:spPr>
+          <a:xfrm>
+            <a:off x="4417391" y="6546508"/>
+            <a:ext cx="4572000" cy="276999"/>
+          </a:xfrm>
+          <a:prstGeom prst="rect">
+            <a:avLst/>
+          </a:prstGeom>
+        </p:spPr>
+        <p:txBody>
+          <a:bodyPr>
+            <a:spAutoFit/>
+          </a:bodyPr>
+          <a:lstStyle/>
+          <a:p>
+            <a:r>
+              <a:rPr lang="en-US" sz="1200" dirty="0">
+                <a:hlinkClick r:id="rId2"/>
+              </a:rPr>
+              <a:t>http://www.allthingsdistributed.com/2007/10/</a:t>
+            </a:r>
+            <a:r>
+              <a:rPr lang="en-US" sz="1200" dirty="0" smtClean="0">
+                <a:hlinkClick r:id="rId2"/>
+              </a:rPr>
+              <a:t>amazons_dynamo.html</a:t>
+            </a:r>
+            <a:r>
+              <a:rPr lang="en-US" sz="1200" dirty="0" smtClean="0"/>
+              <a:t> </a:t>
+            </a:r>
+            <a:endParaRPr lang="en-US" sz="1200" dirty="0"/>
+          </a:p>
+        </p:txBody>
+      </p:sp>
+      <p:pic>
+        <p:nvPicPr>
+          <p:cNvPr id="5" name="Picture 4"/>
+          <p:cNvPicPr>
+            <a:picLocks noChangeAspect="1"/>
+          </p:cNvPicPr>
+          <p:nvPr/>
+        </p:nvPicPr>
+        <p:blipFill>
+          <a:blip r:embed="rId3"/>
+          <a:stretch>
+            <a:fillRect/>
+          </a:stretch>
+        </p:blipFill>
+        <p:spPr>
+          <a:xfrm>
+            <a:off x="2311100" y="1772575"/>
+            <a:ext cx="5080000" cy="4025900"/>
+          </a:xfrm>
+          <a:prstGeom prst="rect">
+            <a:avLst/>
+          </a:prstGeom>
+        </p:spPr>
+      </p:pic>
+    </p:spTree>
+    <p:extLst>
+      <p:ext uri="{BB962C8B-B14F-4D97-AF65-F5344CB8AC3E}">
+        <p14:creationId xmlns:p14="http://schemas.microsoft.com/office/powerpoint/2010/main" val="667338498"/>
+      </p:ext>
+    </p:extLst>
+  </p:cSld>
+  <p:clrMapOvr>
+    <a:masterClrMapping/>
+  </p:clrMapOvr>
+</p:sld>
+</file>
+
+<file path=ppt/slides/slide9.xml><?xml version="1.0" encoding="utf-8"?>
+<p:sld xmlns:a="http://schemas.openxmlformats.org/drawingml/2006/main" xmlns:r="http://schemas.openxmlformats.org/officeDocument/2006/relationships" xmlns:p="http://schemas.openxmlformats.org/presentationml/2006/main">
+  <p:cSld>
+    <p:spTree>
+      <p:nvGrpSpPr>
+        <p:cNvPr id="1" name=""/>
+        <p:cNvGrpSpPr/>
+        <p:nvPr/>
+      </p:nvGrpSpPr>
+      <p:grpSpPr>
+        <a:xfrm>
+          <a:off x="0" y="0"/>
+          <a:ext cx="0" cy="0"/>
+          <a:chOff x="0" y="0"/>
+          <a:chExt cx="0" cy="0"/>
+        </a:xfrm>
+      </p:grpSpPr>
+      <p:sp>
+        <p:nvSpPr>
+          <p:cNvPr id="2" name="Title 1"/>
+          <p:cNvSpPr>
+            <a:spLocks noGrp="1"/>
+          </p:cNvSpPr>
+          <p:nvPr>
+            <p:ph type="title"/>
+          </p:nvPr>
+        </p:nvSpPr>
+        <p:spPr/>
+        <p:txBody>
+          <a:bodyPr>
+            <a:noAutofit/>
+          </a:bodyPr>
+          <a:lstStyle/>
+          <a:p>
+            <a:r>
+              <a:rPr lang="en-US" sz="3200" dirty="0" smtClean="0"/>
+              <a:t>Reconciliation / Eventual Consistency</a:t>
+            </a:r>
+            <a:br>
+              <a:rPr lang="en-US" sz="3200" dirty="0" smtClean="0"/>
+            </a:br>
+            <a:endParaRPr lang="en-US" sz="3200" dirty="0"/>
+          </a:p>
+        </p:txBody>
+      </p:sp>
+      <p:sp>
+        <p:nvSpPr>
+          <p:cNvPr id="4" name="Rectangle 3"/>
+          <p:cNvSpPr/>
+          <p:nvPr/>
+        </p:nvSpPr>
+        <p:spPr>
+          <a:xfrm>
+            <a:off x="4417391" y="6546508"/>
+            <a:ext cx="4572000" cy="276999"/>
+          </a:xfrm>
+          <a:prstGeom prst="rect">
+            <a:avLst/>
+          </a:prstGeom>
+        </p:spPr>
+        <p:txBody>
+          <a:bodyPr>
+            <a:spAutoFit/>
+          </a:bodyPr>
+          <a:lstStyle/>
+          <a:p>
+            <a:r>
+              <a:rPr lang="en-US" sz="1200" dirty="0">
+                <a:hlinkClick r:id="rId2"/>
+              </a:rPr>
+              <a:t>http://www.allthingsdistributed.com/2007/10/</a:t>
+            </a:r>
+            <a:r>
+              <a:rPr lang="en-US" sz="1200" dirty="0" smtClean="0">
+                <a:hlinkClick r:id="rId2"/>
+              </a:rPr>
+              <a:t>amazons_dynamo.html</a:t>
+            </a:r>
+            <a:r>
+              <a:rPr lang="en-US" sz="1200" dirty="0" smtClean="0"/>
+              <a:t> </a:t>
+            </a:r>
+            <a:endParaRPr lang="en-US" sz="1200" dirty="0"/>
+          </a:p>
+        </p:txBody>
+      </p:sp>
+      <p:pic>
+        <p:nvPicPr>
+          <p:cNvPr id="3" name="Picture 2"/>
+          <p:cNvPicPr>
+            <a:picLocks noChangeAspect="1"/>
+          </p:cNvPicPr>
+          <p:nvPr/>
+        </p:nvPicPr>
+        <p:blipFill>
+          <a:blip r:embed="rId3"/>
+          <a:stretch>
+            <a:fillRect/>
+          </a:stretch>
+        </p:blipFill>
+        <p:spPr>
+          <a:xfrm>
+            <a:off x="2553760" y="1117939"/>
+            <a:ext cx="3307815" cy="4725450"/>
+          </a:xfrm>
+          <a:prstGeom prst="rect">
+            <a:avLst/>
+          </a:prstGeom>
+        </p:spPr>
+      </p:pic>
+    </p:spTree>
+    <p:extLst>
+      <p:ext uri="{BB962C8B-B14F-4D97-AF65-F5344CB8AC3E}">
+        <p14:creationId xmlns:p14="http://schemas.microsoft.com/office/powerpoint/2010/main" val="40452208"/>
       </p:ext>
     </p:extLst>
   </p:cSld>
